--- a/mdl4ui-docs/mdl4ui_cg2013_jba_draft.pptx
+++ b/mdl4ui-docs/mdl4ui_cg2013_jba_draft.pptx
@@ -14309,7 +14309,19 @@
           <a:p>
             <a:r>
               <a:rPr lang="fr-FR" dirty="0" smtClean="0"/>
-              <a:t>Unit tests</a:t>
+              <a:t>Unit </a:t>
+            </a:r>
+            <a:r>
+              <a:rPr lang="fr-FR" dirty="0" err="1" smtClean="0"/>
+              <a:t>testing</a:t>
+            </a:r>
+            <a:r>
+              <a:rPr lang="fr-FR" dirty="0" smtClean="0"/>
+              <a:t> </a:t>
+            </a:r>
+            <a:r>
+              <a:rPr lang="fr-FR" dirty="0" err="1" smtClean="0"/>
+              <a:t>fields</a:t>
             </a:r>
             <a:endParaRPr lang="fr-FR" dirty="0"/>
           </a:p>
@@ -14327,9 +14339,94 @@
         </p:nvSpPr>
         <p:spPr/>
         <p:txBody>
-          <a:bodyPr/>
+          <a:bodyPr>
+            <a:normAutofit/>
+          </a:bodyPr>
           <a:lstStyle/>
           <a:p>
+            <a:r>
+              <a:rPr lang="en-US" dirty="0"/>
+              <a:t>Need to test </a:t>
+            </a:r>
+            <a:r>
+              <a:rPr lang="en-US" dirty="0" smtClean="0"/>
+              <a:t>fields</a:t>
+            </a:r>
+            <a:r>
+              <a:rPr lang="en-US" dirty="0"/>
+              <a:t>, using </a:t>
+            </a:r>
+            <a:r>
+              <a:rPr lang="en-US" b="1" dirty="0"/>
+              <a:t>non-regression tests</a:t>
+            </a:r>
+          </a:p>
+          <a:p>
+            <a:pPr lvl="1"/>
+            <a:r>
+              <a:rPr lang="en-US" dirty="0" smtClean="0"/>
+              <a:t>validation </a:t>
+            </a:r>
+            <a:endParaRPr lang="en-US" dirty="0"/>
+          </a:p>
+          <a:p>
+            <a:pPr lvl="1"/>
+            <a:r>
+              <a:rPr lang="en-US" dirty="0" smtClean="0"/>
+              <a:t>domain </a:t>
+            </a:r>
+            <a:r>
+              <a:rPr lang="en-US" dirty="0"/>
+              <a:t>model read &amp; update </a:t>
+            </a:r>
+          </a:p>
+          <a:p>
+            <a:pPr lvl="1"/>
+            <a:r>
+              <a:rPr lang="en-US" dirty="0" smtClean="0"/>
+              <a:t>visibility </a:t>
+            </a:r>
+            <a:r>
+              <a:rPr lang="en-US" dirty="0"/>
+              <a:t>update</a:t>
+            </a:r>
+          </a:p>
+          <a:p>
+            <a:pPr lvl="1"/>
+            <a:r>
+              <a:rPr lang="en-US" dirty="0" smtClean="0"/>
+              <a:t>domain </a:t>
+            </a:r>
+            <a:r>
+              <a:rPr lang="en-US" dirty="0"/>
+              <a:t>model </a:t>
+            </a:r>
+            <a:r>
+              <a:rPr lang="en-US" dirty="0" smtClean="0"/>
+              <a:t>reset</a:t>
+            </a:r>
+          </a:p>
+          <a:p>
+            <a:pPr lvl="1"/>
+            <a:endParaRPr lang="en-US" dirty="0"/>
+          </a:p>
+          <a:p>
+            <a:r>
+              <a:rPr lang="en-US" dirty="0"/>
+              <a:t>Generated mock factories allow to execute field </a:t>
+            </a:r>
+            <a:r>
+              <a:rPr lang="en-US" dirty="0" smtClean="0"/>
+              <a:t>outside </a:t>
+            </a:r>
+            <a:r>
+              <a:rPr lang="en-US" dirty="0"/>
+              <a:t>a </a:t>
+            </a:r>
+            <a:r>
+              <a:rPr lang="en-US" dirty="0" smtClean="0"/>
+              <a:t>web application (GWT)</a:t>
+            </a:r>
             <a:endParaRPr lang="fr-FR" dirty="0"/>
           </a:p>
         </p:txBody>
@@ -14431,7 +14528,6 @@
               <a:rPr lang="en-US" b="1" dirty="0" smtClean="0"/>
               <a:t>web applications</a:t>
             </a:r>
-            <a:endParaRPr lang="en-US" b="1" dirty="0" smtClean="0"/>
           </a:p>
           <a:p>
             <a:endParaRPr lang="en-US" dirty="0"/>
@@ -14441,7 +14537,6 @@
               <a:rPr lang="en-US" dirty="0" smtClean="0"/>
               <a:t>Supports </a:t>
             </a:r>
-            <a:endParaRPr lang="en-US" dirty="0" smtClean="0"/>
           </a:p>
           <a:p>
             <a:pPr lvl="1"/>
@@ -14462,7 +14557,7 @@
           <a:p>
             <a:pPr lvl="1"/>
             <a:r>
-              <a:rPr lang="en-US" dirty="0" smtClean="0"/>
+              <a:rPr lang="en-US" b="1" dirty="0" smtClean="0"/>
               <a:t>Firefox</a:t>
             </a:r>
             <a:r>
@@ -14473,7 +14568,6 @@
               <a:rPr lang="en-US" dirty="0" smtClean="0"/>
               <a:t>IE, iOS &amp; Android browsers, etc.</a:t>
             </a:r>
-            <a:endParaRPr lang="en-US" dirty="0" smtClean="0"/>
           </a:p>
           <a:p>
             <a:endParaRPr lang="fr-FR" dirty="0"/>
@@ -14587,11 +14681,19 @@
             </a:r>
             <a:r>
               <a:rPr lang="en-US" dirty="0"/>
-              <a:t>page object represents </a:t>
-            </a:r>
-            <a:r>
-              <a:rPr lang="en-US" dirty="0" smtClean="0"/>
-              <a:t>a screen or a block with </a:t>
+              <a:t>page object </a:t>
+            </a:r>
+            <a:r>
+              <a:rPr lang="en-US" b="1" dirty="0"/>
+              <a:t>represents </a:t>
+            </a:r>
+            <a:r>
+              <a:rPr lang="en-US" b="1" dirty="0" smtClean="0"/>
+              <a:t>a screen or a block </a:t>
+            </a:r>
+            <a:r>
+              <a:rPr lang="en-US" dirty="0" smtClean="0"/>
+              <a:t>with </a:t>
             </a:r>
             <a:r>
               <a:rPr lang="en-US" dirty="0"/>
@@ -14606,7 +14708,11 @@
             <a:pPr lvl="1"/>
             <a:r>
               <a:rPr lang="en-US" dirty="0" smtClean="0"/>
-              <a:t>expose methods to manipulate each fields</a:t>
+              <a:t>expose methods to </a:t>
+            </a:r>
+            <a:r>
+              <a:rPr lang="en-US" b="1" dirty="0" smtClean="0"/>
+              <a:t>manipulate each fields</a:t>
             </a:r>
           </a:p>
           <a:p>
@@ -14616,14 +14722,22 @@
           <a:p>
             <a:r>
               <a:rPr lang="en-US" dirty="0" smtClean="0"/>
-              <a:t>Make testing easier</a:t>
+              <a:t>Make testing </a:t>
+            </a:r>
+            <a:r>
+              <a:rPr lang="en-US" b="1" dirty="0" smtClean="0"/>
+              <a:t>easier</a:t>
             </a:r>
           </a:p>
           <a:p>
             <a:pPr lvl="1"/>
             <a:r>
-              <a:rPr lang="en-US" dirty="0" smtClean="0"/>
-              <a:t>hide </a:t>
+              <a:rPr lang="en-US" b="1" dirty="0" smtClean="0"/>
+              <a:t>hide</a:t>
+            </a:r>
+            <a:r>
+              <a:rPr lang="en-US" dirty="0" smtClean="0"/>
+              <a:t> </a:t>
             </a:r>
             <a:r>
               <a:rPr lang="en-US" dirty="0"/>
@@ -14638,8 +14752,12 @@
           <a:p>
             <a:pPr lvl="1"/>
             <a:r>
-              <a:rPr lang="en-US" dirty="0" smtClean="0"/>
-              <a:t>minimize </a:t>
+              <a:rPr lang="en-US" b="1" dirty="0" smtClean="0"/>
+              <a:t>minimize</a:t>
+            </a:r>
+            <a:r>
+              <a:rPr lang="en-US" dirty="0" smtClean="0"/>
+              <a:t> </a:t>
             </a:r>
             <a:r>
               <a:rPr lang="en-US" dirty="0"/>

--- a/mdl4ui-docs/mdl4ui_cg2013_jba_draft.pptx
+++ b/mdl4ui-docs/mdl4ui_cg2013_jba_draft.pptx
@@ -5,10 +5,10 @@
     <p:sldMasterId id="2147483648" r:id="rId1"/>
   </p:sldMasterIdLst>
   <p:notesMasterIdLst>
-    <p:notesMasterId r:id="rId45"/>
+    <p:notesMasterId r:id="rId52"/>
   </p:notesMasterIdLst>
   <p:handoutMasterIdLst>
-    <p:handoutMasterId r:id="rId46"/>
+    <p:handoutMasterId r:id="rId53"/>
   </p:handoutMasterIdLst>
   <p:sldIdLst>
     <p:sldId id="256" r:id="rId2"/>
@@ -50,13 +50,20 @@
     <p:sldId id="292" r:id="rId38"/>
     <p:sldId id="296" r:id="rId39"/>
     <p:sldId id="297" r:id="rId40"/>
-    <p:sldId id="300" r:id="rId41"/>
-    <p:sldId id="298" r:id="rId42"/>
-    <p:sldId id="299" r:id="rId43"/>
-    <p:sldId id="301" r:id="rId44"/>
+    <p:sldId id="304" r:id="rId41"/>
+    <p:sldId id="305" r:id="rId42"/>
+    <p:sldId id="300" r:id="rId43"/>
+    <p:sldId id="299" r:id="rId44"/>
+    <p:sldId id="298" r:id="rId45"/>
+    <p:sldId id="306" r:id="rId46"/>
+    <p:sldId id="301" r:id="rId47"/>
+    <p:sldId id="307" r:id="rId48"/>
+    <p:sldId id="309" r:id="rId49"/>
+    <p:sldId id="302" r:id="rId50"/>
+    <p:sldId id="303" r:id="rId51"/>
   </p:sldIdLst>
   <p:sldSz cx="9144000" cy="6858000" type="screen4x3"/>
-  <p:notesSz cx="6858000" cy="9144000"/>
+  <p:notesSz cx="6807200" cy="9939338"/>
   <p:defaultTextStyle>
     <a:defPPr>
       <a:defRPr lang="fr-FR"/>
@@ -190,7 +197,7 @@
         <p:spPr>
           <a:xfrm>
             <a:off x="0" y="0"/>
-            <a:ext cx="2971800" cy="457200"/>
+            <a:ext cx="2949787" cy="496967"/>
           </a:xfrm>
           <a:prstGeom prst="rect">
             <a:avLst/>
@@ -220,8 +227,8 @@
         </p:nvSpPr>
         <p:spPr>
           <a:xfrm>
-            <a:off x="3884613" y="0"/>
-            <a:ext cx="2971800" cy="457200"/>
+            <a:off x="3855838" y="0"/>
+            <a:ext cx="2949787" cy="496967"/>
           </a:xfrm>
           <a:prstGeom prst="rect">
             <a:avLst/>
@@ -256,8 +263,8 @@
         </p:nvSpPr>
         <p:spPr>
           <a:xfrm>
-            <a:off x="0" y="8685213"/>
-            <a:ext cx="2971800" cy="457200"/>
+            <a:off x="0" y="9440646"/>
+            <a:ext cx="2949787" cy="496967"/>
           </a:xfrm>
           <a:prstGeom prst="rect">
             <a:avLst/>
@@ -287,8 +294,8 @@
         </p:nvSpPr>
         <p:spPr>
           <a:xfrm>
-            <a:off x="3884613" y="8685213"/>
-            <a:ext cx="2971800" cy="457200"/>
+            <a:off x="3855838" y="9440646"/>
+            <a:ext cx="2949787" cy="496967"/>
           </a:xfrm>
           <a:prstGeom prst="rect">
             <a:avLst/>
@@ -357,7 +364,7 @@
         <p:spPr>
           <a:xfrm>
             <a:off x="0" y="0"/>
-            <a:ext cx="2971800" cy="457200"/>
+            <a:ext cx="2949787" cy="496967"/>
           </a:xfrm>
           <a:prstGeom prst="rect">
             <a:avLst/>
@@ -387,8 +394,8 @@
         </p:nvSpPr>
         <p:spPr>
           <a:xfrm>
-            <a:off x="3884613" y="0"/>
-            <a:ext cx="2971800" cy="457200"/>
+            <a:off x="3855838" y="0"/>
+            <a:ext cx="2949787" cy="496967"/>
           </a:xfrm>
           <a:prstGeom prst="rect">
             <a:avLst/>
@@ -422,8 +429,8 @@
         </p:nvSpPr>
         <p:spPr>
           <a:xfrm>
-            <a:off x="1143000" y="685800"/>
-            <a:ext cx="4572000" cy="3429000"/>
+            <a:off x="920750" y="746125"/>
+            <a:ext cx="4965700" cy="3725863"/>
           </a:xfrm>
           <a:prstGeom prst="rect">
             <a:avLst/>
@@ -455,8 +462,8 @@
         </p:nvSpPr>
         <p:spPr>
           <a:xfrm>
-            <a:off x="685800" y="4343400"/>
-            <a:ext cx="5486400" cy="4114800"/>
+            <a:off x="680720" y="4721186"/>
+            <a:ext cx="5445760" cy="4472702"/>
           </a:xfrm>
           <a:prstGeom prst="rect">
             <a:avLst/>
@@ -515,8 +522,8 @@
         </p:nvSpPr>
         <p:spPr>
           <a:xfrm>
-            <a:off x="0" y="8685213"/>
-            <a:ext cx="2971800" cy="457200"/>
+            <a:off x="0" y="9440646"/>
+            <a:ext cx="2949787" cy="496967"/>
           </a:xfrm>
           <a:prstGeom prst="rect">
             <a:avLst/>
@@ -546,8 +553,8 @@
         </p:nvSpPr>
         <p:spPr>
           <a:xfrm>
-            <a:off x="3884613" y="8685213"/>
-            <a:ext cx="2971800" cy="457200"/>
+            <a:off x="3855838" y="9440646"/>
+            <a:ext cx="2949787" cy="496967"/>
           </a:xfrm>
           <a:prstGeom prst="rect">
             <a:avLst/>
@@ -831,6 +838,90 @@
     <p:extLst>
       <p:ext uri="{BB962C8B-B14F-4D97-AF65-F5344CB8AC3E}">
         <p14:creationId xmlns:p14="http://schemas.microsoft.com/office/powerpoint/2010/main" val="3280979232"/>
+      </p:ext>
+    </p:extLst>
+  </p:cSld>
+  <p:clrMapOvr>
+    <a:masterClrMapping/>
+  </p:clrMapOvr>
+</p:notes>
+</file>
+
+<file path=ppt/notesSlides/notesSlide3.xml><?xml version="1.0" encoding="utf-8"?>
+<p:notes xmlns:a="http://schemas.openxmlformats.org/drawingml/2006/main" xmlns:r="http://schemas.openxmlformats.org/officeDocument/2006/relationships" xmlns:p="http://schemas.openxmlformats.org/presentationml/2006/main">
+  <p:cSld>
+    <p:spTree>
+      <p:nvGrpSpPr>
+        <p:cNvPr id="1" name=""/>
+        <p:cNvGrpSpPr/>
+        <p:nvPr/>
+      </p:nvGrpSpPr>
+      <p:grpSpPr>
+        <a:xfrm>
+          <a:off x="0" y="0"/>
+          <a:ext cx="0" cy="0"/>
+          <a:chOff x="0" y="0"/>
+          <a:chExt cx="0" cy="0"/>
+        </a:xfrm>
+      </p:grpSpPr>
+      <p:sp>
+        <p:nvSpPr>
+          <p:cNvPr id="2" name="Espace réservé de l'image des diapositives 1"/>
+          <p:cNvSpPr>
+            <a:spLocks noGrp="1" noRot="1" noChangeAspect="1"/>
+          </p:cNvSpPr>
+          <p:nvPr>
+            <p:ph type="sldImg"/>
+          </p:nvPr>
+        </p:nvSpPr>
+        <p:spPr/>
+      </p:sp>
+      <p:sp>
+        <p:nvSpPr>
+          <p:cNvPr id="3" name="Espace réservé des commentaires 2"/>
+          <p:cNvSpPr>
+            <a:spLocks noGrp="1"/>
+          </p:cNvSpPr>
+          <p:nvPr>
+            <p:ph type="body" idx="1"/>
+          </p:nvPr>
+        </p:nvSpPr>
+        <p:spPr/>
+        <p:txBody>
+          <a:bodyPr/>
+          <a:lstStyle/>
+          <a:p>
+            <a:endParaRPr lang="en-US" dirty="0"/>
+          </a:p>
+        </p:txBody>
+      </p:sp>
+      <p:sp>
+        <p:nvSpPr>
+          <p:cNvPr id="4" name="Espace réservé du numéro de diapositive 3"/>
+          <p:cNvSpPr>
+            <a:spLocks noGrp="1"/>
+          </p:cNvSpPr>
+          <p:nvPr>
+            <p:ph type="sldNum" sz="quarter" idx="10"/>
+          </p:nvPr>
+        </p:nvSpPr>
+        <p:spPr/>
+        <p:txBody>
+          <a:bodyPr/>
+          <a:lstStyle/>
+          <a:p>
+            <a:fld id="{1C995A55-B5EF-47FB-BCEC-1018828F2E10}" type="slidenum">
+              <a:rPr lang="en-US" smtClean="0"/>
+              <a:t>41</a:t>
+            </a:fld>
+            <a:endParaRPr lang="en-US"/>
+          </a:p>
+        </p:txBody>
+      </p:sp>
+    </p:spTree>
+    <p:extLst>
+      <p:ext uri="{BB962C8B-B14F-4D97-AF65-F5344CB8AC3E}">
+        <p14:creationId xmlns:p14="http://schemas.microsoft.com/office/powerpoint/2010/main" val="1987381696"/>
       </p:ext>
     </p:extLst>
   </p:cSld>
@@ -13683,30 +13774,83 @@
         </p:nvSpPr>
         <p:spPr/>
         <p:txBody>
-          <a:bodyPr/>
+          <a:bodyPr>
+            <a:normAutofit fontScale="85000" lnSpcReduction="10000"/>
+          </a:bodyPr>
           <a:lstStyle/>
           <a:p>
+            <a:pPr marL="0" indent="0">
+              <a:buNone/>
+            </a:pPr>
             <a:r>
               <a:rPr lang="en-US" dirty="0" smtClean="0"/>
-              <a:t>use Annotation </a:t>
-            </a:r>
-            <a:r>
-              <a:rPr lang="en-US" dirty="0"/>
-              <a:t>P</a:t>
+              <a:t>We use </a:t>
+            </a:r>
+            <a:r>
+              <a:rPr lang="en-US" b="1" dirty="0" smtClean="0"/>
+              <a:t>Annotation Processing Tool </a:t>
             </a:r>
             <a:r>
               <a:rPr lang="en-US" dirty="0" smtClean="0"/>
-              <a:t>rocessing Tool to linked together the various field features and the fields</a:t>
+              <a:t>to linked together the various field features and the fields</a:t>
             </a:r>
           </a:p>
           <a:p>
             <a:r>
               <a:rPr lang="en-US" dirty="0" smtClean="0"/>
-              <a:t>APT is a standard tooling embedded in the JDK </a:t>
-            </a:r>
-            <a:r>
-              <a:rPr lang="en-US" smtClean="0"/>
-              <a:t>since Java 6</a:t>
+              <a:t>APT is a </a:t>
+            </a:r>
+            <a:r>
+              <a:rPr lang="en-US" b="1" dirty="0" smtClean="0"/>
+              <a:t>standard tooling </a:t>
+            </a:r>
+            <a:r>
+              <a:rPr lang="en-US" dirty="0" smtClean="0"/>
+              <a:t>embedded in the JDK since Java 6</a:t>
+            </a:r>
+          </a:p>
+          <a:p>
+            <a:r>
+              <a:rPr lang="en-US" dirty="0" smtClean="0"/>
+              <a:t>Allows to </a:t>
+            </a:r>
+            <a:r>
+              <a:rPr lang="en-US" b="1" dirty="0" smtClean="0"/>
+              <a:t>generate source code </a:t>
+            </a:r>
+            <a:r>
+              <a:rPr lang="en-US" dirty="0" smtClean="0"/>
+              <a:t>and resources in the source path of the compiler during the early stage of the </a:t>
+            </a:r>
+            <a:r>
+              <a:rPr lang="en-US" b="1" dirty="0" smtClean="0"/>
+              <a:t>compilation process</a:t>
+            </a:r>
+          </a:p>
+          <a:p>
+            <a:r>
+              <a:rPr lang="en-US" dirty="0" smtClean="0"/>
+              <a:t>Browse the source code based on </a:t>
+            </a:r>
+            <a:r>
+              <a:rPr lang="en-US" b="1" dirty="0" smtClean="0"/>
+              <a:t>javax.lang.model</a:t>
+            </a:r>
+          </a:p>
+          <a:p>
+            <a:r>
+              <a:rPr lang="en-US" dirty="0" smtClean="0"/>
+              <a:t>Code processing is </a:t>
+            </a:r>
+            <a:r>
+              <a:rPr lang="en-US" b="1" dirty="0" smtClean="0"/>
+              <a:t>triggered by annotation</a:t>
+            </a:r>
+          </a:p>
+          <a:p>
+            <a:r>
+              <a:rPr lang="en-US" dirty="0" smtClean="0"/>
+              <a:t>No build in code generator</a:t>
             </a:r>
           </a:p>
           <a:p>
@@ -14304,137 +14448,163 @@
         </p:nvSpPr>
         <p:spPr/>
         <p:txBody>
-          <a:bodyPr/>
-          <a:lstStyle/>
-          <a:p>
-            <a:r>
-              <a:rPr lang="fr-FR" dirty="0" smtClean="0"/>
-              <a:t>Unit </a:t>
-            </a:r>
-            <a:r>
-              <a:rPr lang="fr-FR" dirty="0" err="1" smtClean="0"/>
-              <a:t>testing</a:t>
-            </a:r>
-            <a:r>
-              <a:rPr lang="fr-FR" dirty="0" smtClean="0"/>
-              <a:t> </a:t>
-            </a:r>
-            <a:r>
-              <a:rPr lang="fr-FR" dirty="0" err="1" smtClean="0"/>
-              <a:t>fields</a:t>
-            </a:r>
-            <a:endParaRPr lang="fr-FR" dirty="0"/>
-          </a:p>
-        </p:txBody>
-      </p:sp>
-      <p:sp>
-        <p:nvSpPr>
-          <p:cNvPr id="3" name="Espace réservé du contenu 2"/>
-          <p:cNvSpPr>
-            <a:spLocks noGrp="1"/>
-          </p:cNvSpPr>
-          <p:nvPr>
-            <p:ph idx="1"/>
-          </p:nvPr>
-        </p:nvSpPr>
-        <p:spPr/>
-        <p:txBody>
           <a:bodyPr>
             <a:normAutofit/>
           </a:bodyPr>
           <a:lstStyle/>
           <a:p>
             <a:r>
-              <a:rPr lang="en-US" dirty="0"/>
-              <a:t>Need to test </a:t>
-            </a:r>
-            <a:r>
               <a:rPr lang="en-US" dirty="0" smtClean="0"/>
-              <a:t>fields</a:t>
-            </a:r>
-            <a:r>
-              <a:rPr lang="en-US" dirty="0"/>
-              <a:t>, using </a:t>
-            </a:r>
-            <a:r>
-              <a:rPr lang="en-US" b="1" dirty="0"/>
-              <a:t>non-regression tests</a:t>
-            </a:r>
-          </a:p>
-          <a:p>
-            <a:pPr lvl="1"/>
-            <a:r>
-              <a:rPr lang="en-US" dirty="0" smtClean="0"/>
-              <a:t>validation </a:t>
+              <a:t>Generated pattern to glue</a:t>
             </a:r>
             <a:endParaRPr lang="en-US" dirty="0"/>
           </a:p>
-          <a:p>
-            <a:pPr lvl="1"/>
-            <a:r>
-              <a:rPr lang="en-US" dirty="0" smtClean="0"/>
-              <a:t>domain </a:t>
-            </a:r>
-            <a:r>
-              <a:rPr lang="en-US" dirty="0"/>
-              <a:t>model read &amp; update </a:t>
-            </a:r>
-          </a:p>
-          <a:p>
-            <a:pPr lvl="1"/>
-            <a:r>
-              <a:rPr lang="en-US" dirty="0" smtClean="0"/>
-              <a:t>visibility </a:t>
-            </a:r>
-            <a:r>
-              <a:rPr lang="en-US" dirty="0"/>
-              <a:t>update</a:t>
-            </a:r>
-          </a:p>
-          <a:p>
-            <a:pPr lvl="1"/>
-            <a:r>
-              <a:rPr lang="en-US" dirty="0" smtClean="0"/>
-              <a:t>domain </a:t>
-            </a:r>
-            <a:r>
-              <a:rPr lang="en-US" dirty="0"/>
-              <a:t>model </a:t>
-            </a:r>
-            <a:r>
-              <a:rPr lang="en-US" dirty="0" smtClean="0"/>
-              <a:t>reset</a:t>
-            </a:r>
-          </a:p>
-          <a:p>
-            <a:pPr lvl="1"/>
-            <a:endParaRPr lang="en-US" dirty="0"/>
-          </a:p>
-          <a:p>
-            <a:r>
-              <a:rPr lang="en-US" dirty="0"/>
-              <a:t>Generated mock factories allow to execute field </a:t>
-            </a:r>
-            <a:r>
-              <a:rPr lang="en-US" dirty="0" smtClean="0"/>
-              <a:t>outside </a:t>
-            </a:r>
-            <a:r>
-              <a:rPr lang="en-US" dirty="0"/>
-              <a:t>a </a:t>
-            </a:r>
-            <a:r>
-              <a:rPr lang="en-US" dirty="0" smtClean="0"/>
-              <a:t>web application (GWT)</a:t>
-            </a:r>
-            <a:endParaRPr lang="fr-FR" dirty="0"/>
+        </p:txBody>
+      </p:sp>
+      <p:pic>
+        <p:nvPicPr>
+          <p:cNvPr id="4" name="Image 3"/>
+          <p:cNvPicPr>
+            <a:picLocks noChangeAspect="1"/>
+          </p:cNvPicPr>
+          <p:nvPr/>
+        </p:nvPicPr>
+        <p:blipFill>
+          <a:blip r:embed="rId2">
+            <a:extLst>
+              <a:ext uri="{28A0092B-C50C-407E-A947-70E740481C1C}">
+                <a14:useLocalDpi xmlns:a14="http://schemas.microsoft.com/office/drawing/2010/main" val="0"/>
+              </a:ext>
+            </a:extLst>
+          </a:blip>
+          <a:stretch>
+            <a:fillRect/>
+          </a:stretch>
+        </p:blipFill>
+        <p:spPr>
+          <a:xfrm>
+            <a:off x="228600" y="1447800"/>
+            <a:ext cx="5074022" cy="5053807"/>
+          </a:xfrm>
+          <a:prstGeom prst="rect">
+            <a:avLst/>
+          </a:prstGeom>
+        </p:spPr>
+      </p:pic>
+      <p:sp>
+        <p:nvSpPr>
+          <p:cNvPr id="6" name="ZoneTexte 5"/>
+          <p:cNvSpPr txBox="1"/>
+          <p:nvPr/>
+        </p:nvSpPr>
+        <p:spPr>
+          <a:xfrm>
+            <a:off x="5486400" y="1447800"/>
+            <a:ext cx="3352800" cy="4093428"/>
+          </a:xfrm>
+          <a:prstGeom prst="rect">
+            <a:avLst/>
+          </a:prstGeom>
+          <a:noFill/>
+        </p:spPr>
+        <p:txBody>
+          <a:bodyPr wrap="square" rtlCol="0">
+            <a:spAutoFit/>
+          </a:bodyPr>
+          <a:lstStyle/>
+          <a:p>
+            <a:pPr marL="285750" indent="-285750">
+              <a:buFont typeface="Wingdings" pitchFamily="2" charset="2"/>
+              <a:buChar char="§"/>
+            </a:pPr>
+            <a:r>
+              <a:rPr lang="en-US" sz="2000" dirty="0" smtClean="0"/>
+              <a:t>Code generation is triggered by </a:t>
+            </a:r>
+            <a:r>
+              <a:rPr lang="en-US" sz="2000" b="1" dirty="0" smtClean="0"/>
+              <a:t>@InjectBehaviour</a:t>
+            </a:r>
+          </a:p>
+          <a:p>
+            <a:pPr marL="285750" indent="-285750">
+              <a:buFont typeface="Wingdings" pitchFamily="2" charset="2"/>
+              <a:buChar char="§"/>
+            </a:pPr>
+            <a:r>
+              <a:rPr lang="en-US" sz="2000" b="1" dirty="0" smtClean="0"/>
+              <a:t>APT processor </a:t>
+            </a:r>
+            <a:r>
+              <a:rPr lang="en-US" sz="2000" dirty="0" smtClean="0"/>
+              <a:t>is execute during the compilation of </a:t>
+            </a:r>
+            <a:r>
+              <a:rPr lang="en-US" sz="2000" b="1" dirty="0" smtClean="0"/>
+              <a:t>Mdl4ui-field </a:t>
+            </a:r>
+            <a:r>
+              <a:rPr lang="en-US" sz="2000" dirty="0" smtClean="0"/>
+              <a:t>project</a:t>
+            </a:r>
+          </a:p>
+          <a:p>
+            <a:pPr marL="285750" indent="-285750">
+              <a:buFont typeface="Wingdings" pitchFamily="2" charset="2"/>
+              <a:buChar char="§"/>
+            </a:pPr>
+            <a:r>
+              <a:rPr lang="en-US" sz="2000" dirty="0" smtClean="0"/>
+              <a:t>We use a </a:t>
+            </a:r>
+            <a:r>
+              <a:rPr lang="en-US" sz="2000" b="1" dirty="0" smtClean="0"/>
+              <a:t>factory pattern </a:t>
+            </a:r>
+            <a:r>
+              <a:rPr lang="en-US" sz="2000" dirty="0" smtClean="0"/>
+              <a:t>returning the right instance for each field</a:t>
+            </a:r>
+          </a:p>
+          <a:p>
+            <a:pPr marL="285750" indent="-285750">
+              <a:buFont typeface="Wingdings" pitchFamily="2" charset="2"/>
+              <a:buChar char="§"/>
+            </a:pPr>
+            <a:r>
+              <a:rPr lang="en-US" sz="2000" dirty="0" smtClean="0"/>
+              <a:t>An implementation for </a:t>
+            </a:r>
+            <a:r>
+              <a:rPr lang="en-US" sz="2000" b="1" dirty="0" smtClean="0"/>
+              <a:t>GWT client runtime</a:t>
+            </a:r>
+          </a:p>
+          <a:p>
+            <a:pPr marL="285750" indent="-285750">
+              <a:buFont typeface="Wingdings" pitchFamily="2" charset="2"/>
+              <a:buChar char="§"/>
+            </a:pPr>
+            <a:r>
+              <a:rPr lang="en-US" sz="2000" dirty="0" smtClean="0"/>
+              <a:t>A </a:t>
+            </a:r>
+            <a:r>
+              <a:rPr lang="en-US" sz="2000" b="1" dirty="0" smtClean="0"/>
+              <a:t>mock implementation </a:t>
+            </a:r>
+            <a:r>
+              <a:rPr lang="en-US" sz="2000" dirty="0" smtClean="0"/>
+              <a:t>for unit testing</a:t>
+            </a:r>
+            <a:endParaRPr lang="en-US" sz="2000" dirty="0"/>
           </a:p>
         </p:txBody>
       </p:sp>
     </p:spTree>
     <p:extLst>
       <p:ext uri="{BB962C8B-B14F-4D97-AF65-F5344CB8AC3E}">
-        <p14:creationId xmlns:p14="http://schemas.microsoft.com/office/powerpoint/2010/main" val="793171525"/>
+        <p14:creationId xmlns:p14="http://schemas.microsoft.com/office/powerpoint/2010/main" val="318706902"/>
       </p:ext>
     </p:extLst>
   </p:cSld>
@@ -14480,104 +14650,566 @@
         </p:nvSpPr>
         <p:spPr/>
         <p:txBody>
-          <a:bodyPr/>
-          <a:lstStyle/>
-          <a:p>
-            <a:r>
-              <a:rPr lang="fr-FR" dirty="0" err="1" smtClean="0"/>
-              <a:t>Integration</a:t>
-            </a:r>
-            <a:r>
-              <a:rPr lang="fr-FR" dirty="0" smtClean="0"/>
-              <a:t> Tests - Selenium</a:t>
-            </a:r>
-            <a:endParaRPr lang="fr-FR" dirty="0"/>
-          </a:p>
-        </p:txBody>
-      </p:sp>
-      <p:sp>
-        <p:nvSpPr>
-          <p:cNvPr id="3" name="Espace réservé du contenu 2"/>
-          <p:cNvSpPr>
-            <a:spLocks noGrp="1"/>
-          </p:cNvSpPr>
-          <p:nvPr>
-            <p:ph idx="1"/>
-          </p:nvPr>
-        </p:nvSpPr>
-        <p:spPr/>
-        <p:txBody>
           <a:bodyPr>
-            <a:normAutofit/>
+            <a:normAutofit fontScale="90000"/>
           </a:bodyPr>
           <a:lstStyle/>
           <a:p>
             <a:r>
-              <a:rPr lang="en-US" dirty="0"/>
-              <a:t>Selenium is a </a:t>
-            </a:r>
-            <a:r>
-              <a:rPr lang="en-US" b="1" dirty="0" smtClean="0"/>
-              <a:t>test automation</a:t>
-            </a:r>
-            <a:r>
               <a:rPr lang="en-US" dirty="0" smtClean="0"/>
-              <a:t> framework for </a:t>
-            </a:r>
-            <a:r>
-              <a:rPr lang="en-US" b="1" dirty="0" smtClean="0"/>
-              <a:t>web applications</a:t>
-            </a:r>
-          </a:p>
-          <a:p>
+              <a:t>Replicate the factory pattern</a:t>
+            </a:r>
+            <a:br>
+              <a:rPr lang="en-US" dirty="0" smtClean="0"/>
+            </a:br>
+            <a:r>
+              <a:rPr lang="en-US" dirty="0" smtClean="0"/>
+              <a:t>for each </a:t>
+            </a:r>
+            <a:r>
+              <a:rPr lang="en-US" dirty="0" err="1" smtClean="0"/>
+              <a:t>feald</a:t>
+            </a:r>
+            <a:r>
+              <a:rPr lang="en-US" dirty="0" smtClean="0"/>
+              <a:t> feature</a:t>
+            </a:r>
             <a:endParaRPr lang="en-US" dirty="0"/>
           </a:p>
-          <a:p>
-            <a:r>
-              <a:rPr lang="en-US" dirty="0" smtClean="0"/>
-              <a:t>Supports </a:t>
-            </a:r>
-          </a:p>
-          <a:p>
-            <a:pPr lvl="1"/>
-            <a:r>
-              <a:rPr lang="en-US" b="1" dirty="0" smtClean="0"/>
-              <a:t>Java</a:t>
-            </a:r>
-            <a:r>
-              <a:rPr lang="en-US" dirty="0"/>
-              <a:t>, Ruby, Python, C#, etc</a:t>
-            </a:r>
-            <a:r>
-              <a:rPr lang="en-US" dirty="0" smtClean="0"/>
-              <a:t>.</a:t>
-            </a:r>
-            <a:endParaRPr lang="en-US" dirty="0"/>
-          </a:p>
-          <a:p>
-            <a:pPr lvl="1"/>
-            <a:r>
-              <a:rPr lang="en-US" b="1" dirty="0" smtClean="0"/>
-              <a:t>Firefox</a:t>
-            </a:r>
-            <a:r>
-              <a:rPr lang="en-US" dirty="0"/>
-              <a:t>, Chrome, </a:t>
-            </a:r>
-            <a:r>
-              <a:rPr lang="en-US" dirty="0" smtClean="0"/>
-              <a:t>IE, iOS &amp; Android browsers, etc.</a:t>
-            </a:r>
-          </a:p>
-          <a:p>
-            <a:endParaRPr lang="fr-FR" dirty="0"/>
-          </a:p>
-        </p:txBody>
-      </p:sp>
+        </p:txBody>
+      </p:sp>
+      <p:graphicFrame>
+        <p:nvGraphicFramePr>
+          <p:cNvPr id="4" name="Tableau 3"/>
+          <p:cNvGraphicFramePr>
+            <a:graphicFrameLocks noGrp="1"/>
+          </p:cNvGraphicFramePr>
+          <p:nvPr>
+            <p:extLst>
+              <p:ext uri="{D42A27DB-BD31-4B8C-83A1-F6EECF244321}">
+                <p14:modId xmlns:p14="http://schemas.microsoft.com/office/powerpoint/2010/main" val="3075550189"/>
+              </p:ext>
+            </p:extLst>
+          </p:nvPr>
+        </p:nvGraphicFramePr>
+        <p:xfrm>
+          <a:off x="457200" y="1600200"/>
+          <a:ext cx="8229600" cy="4952999"/>
+        </p:xfrm>
+        <a:graphic>
+          <a:graphicData uri="http://schemas.openxmlformats.org/drawingml/2006/table">
+            <a:tbl>
+              <a:tblPr firstRow="1" bandRow="1">
+                <a:tableStyleId>{5C22544A-7EE6-4342-B048-85BDC9FD1C3A}</a:tableStyleId>
+              </a:tblPr>
+              <a:tblGrid>
+                <a:gridCol w="2362200"/>
+                <a:gridCol w="5867400"/>
+              </a:tblGrid>
+              <a:tr h="386643">
+                <a:tc>
+                  <a:txBody>
+                    <a:bodyPr/>
+                    <a:lstStyle/>
+                    <a:p>
+                      <a:r>
+                        <a:rPr lang="en-US" sz="1600" dirty="0" smtClean="0"/>
+                        <a:t>Meta annotation</a:t>
+                      </a:r>
+                      <a:endParaRPr lang="en-US" sz="1600" dirty="0"/>
+                    </a:p>
+                  </a:txBody>
+                  <a:tcPr/>
+                </a:tc>
+                <a:tc>
+                  <a:txBody>
+                    <a:bodyPr/>
+                    <a:lstStyle/>
+                    <a:p>
+                      <a:r>
+                        <a:rPr lang="en-US" sz="1600" dirty="0" smtClean="0"/>
+                        <a:t>Feature factory</a:t>
+                      </a:r>
+                      <a:endParaRPr lang="en-US" sz="1600" dirty="0"/>
+                    </a:p>
+                  </a:txBody>
+                  <a:tcPr/>
+                </a:tc>
+              </a:tr>
+              <a:tr h="678670">
+                <a:tc>
+                  <a:txBody>
+                    <a:bodyPr/>
+                    <a:lstStyle/>
+                    <a:p>
+                      <a:pPr marL="0" marR="0" indent="0" algn="l" defTabSz="914400" rtl="0" eaLnBrk="1" fontAlgn="auto" latinLnBrk="0" hangingPunct="1">
+                        <a:lnSpc>
+                          <a:spcPct val="100000"/>
+                        </a:lnSpc>
+                        <a:spcBef>
+                          <a:spcPts val="0"/>
+                        </a:spcBef>
+                        <a:spcAft>
+                          <a:spcPts val="0"/>
+                        </a:spcAft>
+                        <a:buClrTx/>
+                        <a:buSzTx/>
+                        <a:buFontTx/>
+                        <a:buNone/>
+                        <a:tabLst/>
+                        <a:defRPr/>
+                      </a:pPr>
+                      <a:r>
+                        <a:rPr lang="en-US" sz="1600" b="1" dirty="0" smtClean="0"/>
+                        <a:t>@InjectBehaviour</a:t>
+                      </a:r>
+                    </a:p>
+                  </a:txBody>
+                  <a:tcPr anchor="ctr"/>
+                </a:tc>
+                <a:tc>
+                  <a:txBody>
+                    <a:bodyPr/>
+                    <a:lstStyle/>
+                    <a:p>
+                      <a:endParaRPr lang="en-US" sz="1600" b="1" dirty="0"/>
+                    </a:p>
+                  </a:txBody>
+                  <a:tcPr/>
+                </a:tc>
+              </a:tr>
+              <a:tr h="665820">
+                <a:tc>
+                  <a:txBody>
+                    <a:bodyPr/>
+                    <a:lstStyle/>
+                    <a:p>
+                      <a:pPr marL="0" marR="0" indent="0" algn="l" defTabSz="914400" rtl="0" eaLnBrk="1" fontAlgn="auto" latinLnBrk="0" hangingPunct="1">
+                        <a:lnSpc>
+                          <a:spcPct val="100000"/>
+                        </a:lnSpc>
+                        <a:spcBef>
+                          <a:spcPts val="0"/>
+                        </a:spcBef>
+                        <a:spcAft>
+                          <a:spcPts val="0"/>
+                        </a:spcAft>
+                        <a:buClrTx/>
+                        <a:buSzTx/>
+                        <a:buFontTx/>
+                        <a:buNone/>
+                        <a:tabLst/>
+                        <a:defRPr/>
+                      </a:pPr>
+                      <a:r>
+                        <a:rPr lang="en-US" sz="1600" b="1" dirty="0" smtClean="0"/>
+                        <a:t>@InjectEditor</a:t>
+                      </a:r>
+                    </a:p>
+                  </a:txBody>
+                  <a:tcPr anchor="ctr"/>
+                </a:tc>
+                <a:tc>
+                  <a:txBody>
+                    <a:bodyPr/>
+                    <a:lstStyle/>
+                    <a:p>
+                      <a:endParaRPr lang="en-US" sz="1600" b="1" dirty="0" smtClean="0"/>
+                    </a:p>
+                  </a:txBody>
+                  <a:tcPr/>
+                </a:tc>
+              </a:tr>
+              <a:tr h="811949">
+                <a:tc>
+                  <a:txBody>
+                    <a:bodyPr/>
+                    <a:lstStyle/>
+                    <a:p>
+                      <a:pPr marL="0" marR="0" indent="0" algn="l" defTabSz="914400" rtl="0" eaLnBrk="1" fontAlgn="auto" latinLnBrk="0" hangingPunct="1">
+                        <a:lnSpc>
+                          <a:spcPct val="100000"/>
+                        </a:lnSpc>
+                        <a:spcBef>
+                          <a:spcPts val="0"/>
+                        </a:spcBef>
+                        <a:spcAft>
+                          <a:spcPts val="0"/>
+                        </a:spcAft>
+                        <a:buClrTx/>
+                        <a:buSzTx/>
+                        <a:buFontTx/>
+                        <a:buNone/>
+                        <a:tabLst/>
+                        <a:defRPr/>
+                      </a:pPr>
+                      <a:r>
+                        <a:rPr lang="en-US" sz="1600" b="1" dirty="0" smtClean="0"/>
+                        <a:t>@InjectHelp</a:t>
+                      </a:r>
+                    </a:p>
+                  </a:txBody>
+                  <a:tcPr anchor="ctr"/>
+                </a:tc>
+                <a:tc>
+                  <a:txBody>
+                    <a:bodyPr/>
+                    <a:lstStyle/>
+                    <a:p>
+                      <a:pPr marL="0" marR="0" indent="0" algn="l" defTabSz="914400" rtl="0" eaLnBrk="1" fontAlgn="auto" latinLnBrk="0" hangingPunct="1">
+                        <a:lnSpc>
+                          <a:spcPct val="100000"/>
+                        </a:lnSpc>
+                        <a:spcBef>
+                          <a:spcPts val="0"/>
+                        </a:spcBef>
+                        <a:spcAft>
+                          <a:spcPts val="0"/>
+                        </a:spcAft>
+                        <a:buClrTx/>
+                        <a:buSzTx/>
+                        <a:buFontTx/>
+                        <a:buNone/>
+                        <a:tabLst/>
+                        <a:defRPr/>
+                      </a:pPr>
+                      <a:endParaRPr lang="en-US" sz="1600" dirty="0" smtClean="0"/>
+                    </a:p>
+                  </a:txBody>
+                  <a:tcPr/>
+                </a:tc>
+              </a:tr>
+              <a:tr h="786019">
+                <a:tc>
+                  <a:txBody>
+                    <a:bodyPr/>
+                    <a:lstStyle/>
+                    <a:p>
+                      <a:pPr marL="0" marR="0" indent="0" algn="l" defTabSz="914400" rtl="0" eaLnBrk="1" fontAlgn="auto" latinLnBrk="0" hangingPunct="1">
+                        <a:lnSpc>
+                          <a:spcPct val="100000"/>
+                        </a:lnSpc>
+                        <a:spcBef>
+                          <a:spcPts val="0"/>
+                        </a:spcBef>
+                        <a:spcAft>
+                          <a:spcPts val="0"/>
+                        </a:spcAft>
+                        <a:buClrTx/>
+                        <a:buSzTx/>
+                        <a:buFontTx/>
+                        <a:buNone/>
+                        <a:tabLst/>
+                        <a:defRPr/>
+                      </a:pPr>
+                      <a:r>
+                        <a:rPr lang="en-US" sz="1600" b="1" dirty="0" smtClean="0"/>
+                        <a:t>@InjectInit</a:t>
+                      </a:r>
+                    </a:p>
+                  </a:txBody>
+                  <a:tcPr anchor="ctr"/>
+                </a:tc>
+                <a:tc>
+                  <a:txBody>
+                    <a:bodyPr/>
+                    <a:lstStyle/>
+                    <a:p>
+                      <a:endParaRPr lang="en-US" sz="1600" b="1" dirty="0" smtClean="0"/>
+                    </a:p>
+                  </a:txBody>
+                  <a:tcPr/>
+                </a:tc>
+              </a:tr>
+              <a:tr h="811949">
+                <a:tc>
+                  <a:txBody>
+                    <a:bodyPr/>
+                    <a:lstStyle/>
+                    <a:p>
+                      <a:pPr marL="0" marR="0" indent="0" algn="l" defTabSz="914400" rtl="0" eaLnBrk="1" fontAlgn="auto" latinLnBrk="0" hangingPunct="1">
+                        <a:lnSpc>
+                          <a:spcPct val="100000"/>
+                        </a:lnSpc>
+                        <a:spcBef>
+                          <a:spcPts val="0"/>
+                        </a:spcBef>
+                        <a:spcAft>
+                          <a:spcPts val="0"/>
+                        </a:spcAft>
+                        <a:buClrTx/>
+                        <a:buSzTx/>
+                        <a:buFontTx/>
+                        <a:buNone/>
+                        <a:tabLst/>
+                        <a:defRPr/>
+                      </a:pPr>
+                      <a:r>
+                        <a:rPr lang="en-US" sz="1600" b="1" dirty="0" smtClean="0"/>
+                        <a:t>@InjectLabel</a:t>
+                      </a:r>
+                    </a:p>
+                  </a:txBody>
+                  <a:tcPr anchor="ctr"/>
+                </a:tc>
+                <a:tc>
+                  <a:txBody>
+                    <a:bodyPr/>
+                    <a:lstStyle/>
+                    <a:p>
+                      <a:pPr marL="0" marR="0" indent="0" algn="l" defTabSz="914400" rtl="0" eaLnBrk="1" fontAlgn="auto" latinLnBrk="0" hangingPunct="1">
+                        <a:lnSpc>
+                          <a:spcPct val="100000"/>
+                        </a:lnSpc>
+                        <a:spcBef>
+                          <a:spcPts val="0"/>
+                        </a:spcBef>
+                        <a:spcAft>
+                          <a:spcPts val="0"/>
+                        </a:spcAft>
+                        <a:buClrTx/>
+                        <a:buSzTx/>
+                        <a:buFontTx/>
+                        <a:buNone/>
+                        <a:tabLst/>
+                        <a:defRPr/>
+                      </a:pPr>
+                      <a:endParaRPr lang="en-US" sz="1600" dirty="0" smtClean="0"/>
+                    </a:p>
+                  </a:txBody>
+                  <a:tcPr/>
+                </a:tc>
+              </a:tr>
+              <a:tr h="811949">
+                <a:tc>
+                  <a:txBody>
+                    <a:bodyPr/>
+                    <a:lstStyle/>
+                    <a:p>
+                      <a:pPr marL="0" marR="0" indent="0" algn="l" defTabSz="914400" rtl="0" eaLnBrk="1" fontAlgn="auto" latinLnBrk="0" hangingPunct="1">
+                        <a:lnSpc>
+                          <a:spcPct val="100000"/>
+                        </a:lnSpc>
+                        <a:spcBef>
+                          <a:spcPts val="0"/>
+                        </a:spcBef>
+                        <a:spcAft>
+                          <a:spcPts val="0"/>
+                        </a:spcAft>
+                        <a:buClrTx/>
+                        <a:buSzTx/>
+                        <a:buFontTx/>
+                        <a:buNone/>
+                        <a:tabLst/>
+                        <a:defRPr/>
+                      </a:pPr>
+                      <a:r>
+                        <a:rPr lang="en-US" sz="1600" b="1" dirty="0" smtClean="0"/>
+                        <a:t>@InjectPlaceHolder</a:t>
+                      </a:r>
+                    </a:p>
+                  </a:txBody>
+                  <a:tcPr anchor="ctr"/>
+                </a:tc>
+                <a:tc>
+                  <a:txBody>
+                    <a:bodyPr/>
+                    <a:lstStyle/>
+                    <a:p>
+                      <a:endParaRPr lang="en-US" sz="1600" dirty="0"/>
+                    </a:p>
+                  </a:txBody>
+                  <a:tcPr/>
+                </a:tc>
+              </a:tr>
+            </a:tbl>
+          </a:graphicData>
+        </a:graphic>
+      </p:graphicFrame>
+      <p:pic>
+        <p:nvPicPr>
+          <p:cNvPr id="3" name="Image 2"/>
+          <p:cNvPicPr>
+            <a:picLocks noChangeAspect="1"/>
+          </p:cNvPicPr>
+          <p:nvPr/>
+        </p:nvPicPr>
+        <p:blipFill>
+          <a:blip r:embed="rId3" cstate="print">
+            <a:extLst>
+              <a:ext uri="{28A0092B-C50C-407E-A947-70E740481C1C}">
+                <a14:useLocalDpi xmlns:a14="http://schemas.microsoft.com/office/drawing/2010/main" val="0"/>
+              </a:ext>
+            </a:extLst>
+          </a:blip>
+          <a:stretch>
+            <a:fillRect/>
+          </a:stretch>
+        </p:blipFill>
+        <p:spPr>
+          <a:xfrm>
+            <a:off x="3048000" y="2057400"/>
+            <a:ext cx="2518258" cy="494873"/>
+          </a:xfrm>
+          <a:prstGeom prst="rect">
+            <a:avLst/>
+          </a:prstGeom>
+        </p:spPr>
+      </p:pic>
+      <p:pic>
+        <p:nvPicPr>
+          <p:cNvPr id="5" name="Image 4"/>
+          <p:cNvPicPr>
+            <a:picLocks noChangeAspect="1"/>
+          </p:cNvPicPr>
+          <p:nvPr/>
+        </p:nvPicPr>
+        <p:blipFill>
+          <a:blip r:embed="rId4" cstate="print">
+            <a:extLst>
+              <a:ext uri="{28A0092B-C50C-407E-A947-70E740481C1C}">
+                <a14:useLocalDpi xmlns:a14="http://schemas.microsoft.com/office/drawing/2010/main" val="0"/>
+              </a:ext>
+            </a:extLst>
+          </a:blip>
+          <a:stretch>
+            <a:fillRect/>
+          </a:stretch>
+        </p:blipFill>
+        <p:spPr>
+          <a:xfrm>
+            <a:off x="3029415" y="2744297"/>
+            <a:ext cx="2271370" cy="493776"/>
+          </a:xfrm>
+          <a:prstGeom prst="rect">
+            <a:avLst/>
+          </a:prstGeom>
+        </p:spPr>
+      </p:pic>
+      <p:pic>
+        <p:nvPicPr>
+          <p:cNvPr id="6" name="Image 5"/>
+          <p:cNvPicPr>
+            <a:picLocks noChangeAspect="1"/>
+          </p:cNvPicPr>
+          <p:nvPr/>
+        </p:nvPicPr>
+        <p:blipFill>
+          <a:blip r:embed="rId5" cstate="print">
+            <a:extLst>
+              <a:ext uri="{28A0092B-C50C-407E-A947-70E740481C1C}">
+                <a14:useLocalDpi xmlns:a14="http://schemas.microsoft.com/office/drawing/2010/main" val="0"/>
+              </a:ext>
+            </a:extLst>
+          </a:blip>
+          <a:stretch>
+            <a:fillRect/>
+          </a:stretch>
+        </p:blipFill>
+        <p:spPr>
+          <a:xfrm>
+            <a:off x="3048000" y="3505200"/>
+            <a:ext cx="4451665" cy="494873"/>
+          </a:xfrm>
+          <a:prstGeom prst="rect">
+            <a:avLst/>
+          </a:prstGeom>
+        </p:spPr>
+      </p:pic>
+      <p:pic>
+        <p:nvPicPr>
+          <p:cNvPr id="7" name="Image 6"/>
+          <p:cNvPicPr>
+            <a:picLocks noChangeAspect="1"/>
+          </p:cNvPicPr>
+          <p:nvPr/>
+        </p:nvPicPr>
+        <p:blipFill>
+          <a:blip r:embed="rId6" cstate="print">
+            <a:extLst>
+              <a:ext uri="{28A0092B-C50C-407E-A947-70E740481C1C}">
+                <a14:useLocalDpi xmlns:a14="http://schemas.microsoft.com/office/drawing/2010/main" val="0"/>
+              </a:ext>
+            </a:extLst>
+          </a:blip>
+          <a:stretch>
+            <a:fillRect/>
+          </a:stretch>
+        </p:blipFill>
+        <p:spPr>
+          <a:xfrm>
+            <a:off x="3048000" y="4381073"/>
+            <a:ext cx="2429378" cy="494873"/>
+          </a:xfrm>
+          <a:prstGeom prst="rect">
+            <a:avLst/>
+          </a:prstGeom>
+        </p:spPr>
+      </p:pic>
+      <p:pic>
+        <p:nvPicPr>
+          <p:cNvPr id="8" name="Image 7"/>
+          <p:cNvPicPr>
+            <a:picLocks noChangeAspect="1"/>
+          </p:cNvPicPr>
+          <p:nvPr/>
+        </p:nvPicPr>
+        <p:blipFill>
+          <a:blip r:embed="rId7" cstate="print">
+            <a:extLst>
+              <a:ext uri="{28A0092B-C50C-407E-A947-70E740481C1C}">
+                <a14:useLocalDpi xmlns:a14="http://schemas.microsoft.com/office/drawing/2010/main" val="0"/>
+              </a:ext>
+            </a:extLst>
+          </a:blip>
+          <a:stretch>
+            <a:fillRect/>
+          </a:stretch>
+        </p:blipFill>
+        <p:spPr>
+          <a:xfrm>
+            <a:off x="3029415" y="5067727"/>
+            <a:ext cx="4497751" cy="494873"/>
+          </a:xfrm>
+          <a:prstGeom prst="rect">
+            <a:avLst/>
+          </a:prstGeom>
+        </p:spPr>
+      </p:pic>
+      <p:pic>
+        <p:nvPicPr>
+          <p:cNvPr id="9" name="Image 8"/>
+          <p:cNvPicPr>
+            <a:picLocks noChangeAspect="1"/>
+          </p:cNvPicPr>
+          <p:nvPr/>
+        </p:nvPicPr>
+        <p:blipFill>
+          <a:blip r:embed="rId8" cstate="print">
+            <a:extLst>
+              <a:ext uri="{28A0092B-C50C-407E-A947-70E740481C1C}">
+                <a14:useLocalDpi xmlns:a14="http://schemas.microsoft.com/office/drawing/2010/main" val="0"/>
+              </a:ext>
+            </a:extLst>
+          </a:blip>
+          <a:stretch>
+            <a:fillRect/>
+          </a:stretch>
+        </p:blipFill>
+        <p:spPr>
+          <a:xfrm>
+            <a:off x="3029415" y="5905927"/>
+            <a:ext cx="4811573" cy="494873"/>
+          </a:xfrm>
+          <a:prstGeom prst="rect">
+            <a:avLst/>
+          </a:prstGeom>
+        </p:spPr>
+      </p:pic>
     </p:spTree>
     <p:extLst>
       <p:ext uri="{BB962C8B-B14F-4D97-AF65-F5344CB8AC3E}">
-        <p14:creationId xmlns:p14="http://schemas.microsoft.com/office/powerpoint/2010/main" val="1886712340"/>
+        <p14:creationId xmlns:p14="http://schemas.microsoft.com/office/powerpoint/2010/main" val="949325302"/>
       </p:ext>
     </p:extLst>
   </p:cSld>
@@ -14627,18 +15259,10 @@
           <a:lstStyle/>
           <a:p>
             <a:r>
-              <a:rPr lang="fr-FR" dirty="0"/>
-              <a:t>Integrations tests </a:t>
-            </a:r>
-            <a:r>
-              <a:rPr lang="fr-FR" dirty="0" smtClean="0"/>
-              <a:t>– Page </a:t>
-            </a:r>
-            <a:r>
-              <a:rPr lang="fr-FR" dirty="0" err="1" smtClean="0"/>
-              <a:t>Objects</a:t>
-            </a:r>
-            <a:endParaRPr lang="fr-FR" dirty="0"/>
+              <a:rPr lang="en-US" dirty="0" smtClean="0"/>
+              <a:t>Field tracking</a:t>
+            </a:r>
+            <a:endParaRPr lang="en-US" dirty="0"/>
           </a:p>
         </p:txBody>
       </p:sp>
@@ -14654,123 +15278,17 @@
         </p:nvSpPr>
         <p:spPr/>
         <p:txBody>
-          <a:bodyPr>
-            <a:normAutofit/>
-          </a:bodyPr>
+          <a:bodyPr/>
           <a:lstStyle/>
           <a:p>
-            <a:r>
-              <a:rPr lang="en-US" dirty="0" smtClean="0"/>
-              <a:t>Generation </a:t>
-            </a:r>
-            <a:r>
-              <a:rPr lang="en-US" dirty="0"/>
-              <a:t>of page </a:t>
-            </a:r>
-            <a:r>
-              <a:rPr lang="en-US" dirty="0" smtClean="0"/>
-              <a:t>objects classes</a:t>
-            </a:r>
-            <a:endParaRPr lang="en-US" dirty="0"/>
-          </a:p>
-          <a:p>
-            <a:pPr lvl="1"/>
-            <a:r>
-              <a:rPr lang="en-US" dirty="0" smtClean="0"/>
-              <a:t>each </a:t>
-            </a:r>
-            <a:r>
-              <a:rPr lang="en-US" dirty="0"/>
-              <a:t>page object </a:t>
-            </a:r>
-            <a:r>
-              <a:rPr lang="en-US" b="1" dirty="0"/>
-              <a:t>represents </a:t>
-            </a:r>
-            <a:r>
-              <a:rPr lang="en-US" b="1" dirty="0" smtClean="0"/>
-              <a:t>a screen or a block </a:t>
-            </a:r>
-            <a:r>
-              <a:rPr lang="en-US" dirty="0" smtClean="0"/>
-              <a:t>with </a:t>
-            </a:r>
-            <a:r>
-              <a:rPr lang="en-US" dirty="0"/>
-              <a:t>selenium </a:t>
-            </a:r>
-            <a:r>
-              <a:rPr lang="en-US" dirty="0" smtClean="0"/>
-              <a:t>framework</a:t>
-            </a:r>
-          </a:p>
-          <a:p>
-            <a:pPr lvl="1"/>
-            <a:r>
-              <a:rPr lang="en-US" dirty="0" smtClean="0"/>
-              <a:t>expose methods to </a:t>
-            </a:r>
-            <a:r>
-              <a:rPr lang="en-US" b="1" dirty="0" smtClean="0"/>
-              <a:t>manipulate each fields</a:t>
-            </a:r>
-          </a:p>
-          <a:p>
-            <a:pPr lvl="1"/>
-            <a:endParaRPr lang="en-US" dirty="0"/>
-          </a:p>
-          <a:p>
-            <a:r>
-              <a:rPr lang="en-US" dirty="0" smtClean="0"/>
-              <a:t>Make testing </a:t>
-            </a:r>
-            <a:r>
-              <a:rPr lang="en-US" b="1" dirty="0" smtClean="0"/>
-              <a:t>easier</a:t>
-            </a:r>
-          </a:p>
-          <a:p>
-            <a:pPr lvl="1"/>
-            <a:r>
-              <a:rPr lang="en-US" b="1" dirty="0" smtClean="0"/>
-              <a:t>hide</a:t>
-            </a:r>
-            <a:r>
-              <a:rPr lang="en-US" dirty="0" smtClean="0"/>
-              <a:t> </a:t>
-            </a:r>
-            <a:r>
-              <a:rPr lang="en-US" dirty="0"/>
-              <a:t>selenium framework </a:t>
-            </a:r>
-            <a:r>
-              <a:rPr lang="en-US" dirty="0" smtClean="0"/>
-              <a:t>complexity</a:t>
-            </a:r>
-            <a:endParaRPr lang="en-US" dirty="0"/>
-          </a:p>
-          <a:p>
-            <a:pPr lvl="1"/>
-            <a:r>
-              <a:rPr lang="en-US" b="1" dirty="0" smtClean="0"/>
-              <a:t>minimize</a:t>
-            </a:r>
-            <a:r>
-              <a:rPr lang="en-US" dirty="0" smtClean="0"/>
-              <a:t> </a:t>
-            </a:r>
-            <a:r>
-              <a:rPr lang="en-US" dirty="0"/>
-              <a:t>the test maintenance effort</a:t>
-            </a:r>
-            <a:endParaRPr lang="fr-FR" dirty="0"/>
+            <a:endParaRPr lang="en-US"/>
           </a:p>
         </p:txBody>
       </p:sp>
     </p:spTree>
     <p:extLst>
       <p:ext uri="{BB962C8B-B14F-4D97-AF65-F5344CB8AC3E}">
-        <p14:creationId xmlns:p14="http://schemas.microsoft.com/office/powerpoint/2010/main" val="1392426712"/>
+        <p14:creationId xmlns:p14="http://schemas.microsoft.com/office/powerpoint/2010/main" val="2674396190"/>
       </p:ext>
     </p:extLst>
   </p:cSld>
@@ -14820,6 +15338,576 @@
           <a:lstStyle/>
           <a:p>
             <a:r>
+              <a:rPr lang="en-US" dirty="0" smtClean="0"/>
+              <a:t>AB testing and shuffling the fields</a:t>
+            </a:r>
+            <a:endParaRPr lang="en-US" dirty="0"/>
+          </a:p>
+        </p:txBody>
+      </p:sp>
+      <p:sp>
+        <p:nvSpPr>
+          <p:cNvPr id="3" name="Espace réservé du contenu 2"/>
+          <p:cNvSpPr>
+            <a:spLocks noGrp="1"/>
+          </p:cNvSpPr>
+          <p:nvPr>
+            <p:ph idx="1"/>
+          </p:nvPr>
+        </p:nvSpPr>
+        <p:spPr/>
+        <p:txBody>
+          <a:bodyPr/>
+          <a:lstStyle/>
+          <a:p>
+            <a:endParaRPr lang="en-US"/>
+          </a:p>
+        </p:txBody>
+      </p:sp>
+    </p:spTree>
+    <p:extLst>
+      <p:ext uri="{BB962C8B-B14F-4D97-AF65-F5344CB8AC3E}">
+        <p14:creationId xmlns:p14="http://schemas.microsoft.com/office/powerpoint/2010/main" val="2713826086"/>
+      </p:ext>
+    </p:extLst>
+  </p:cSld>
+  <p:clrMapOvr>
+    <a:masterClrMapping/>
+  </p:clrMapOvr>
+  <p:timing>
+    <p:tnLst>
+      <p:par>
+        <p:cTn id="1" dur="indefinite" restart="never" nodeType="tmRoot"/>
+      </p:par>
+    </p:tnLst>
+  </p:timing>
+</p:sld>
+</file>
+
+<file path=ppt/slides/slide44.xml><?xml version="1.0" encoding="utf-8"?>
+<p:sld xmlns:a="http://schemas.openxmlformats.org/drawingml/2006/main" xmlns:r="http://schemas.openxmlformats.org/officeDocument/2006/relationships" xmlns:p="http://schemas.openxmlformats.org/presentationml/2006/main">
+  <p:cSld>
+    <p:spTree>
+      <p:nvGrpSpPr>
+        <p:cNvPr id="1" name=""/>
+        <p:cNvGrpSpPr/>
+        <p:nvPr/>
+      </p:nvGrpSpPr>
+      <p:grpSpPr>
+        <a:xfrm>
+          <a:off x="0" y="0"/>
+          <a:ext cx="0" cy="0"/>
+          <a:chOff x="0" y="0"/>
+          <a:chExt cx="0" cy="0"/>
+        </a:xfrm>
+      </p:grpSpPr>
+      <p:sp>
+        <p:nvSpPr>
+          <p:cNvPr id="2" name="Titre 1"/>
+          <p:cNvSpPr>
+            <a:spLocks noGrp="1"/>
+          </p:cNvSpPr>
+          <p:nvPr>
+            <p:ph type="title"/>
+          </p:nvPr>
+        </p:nvSpPr>
+        <p:spPr/>
+        <p:txBody>
+          <a:bodyPr/>
+          <a:lstStyle/>
+          <a:p>
+            <a:r>
+              <a:rPr lang="en-US" dirty="0" smtClean="0"/>
+              <a:t>Unit testing</a:t>
+            </a:r>
+            <a:endParaRPr lang="en-US" dirty="0"/>
+          </a:p>
+        </p:txBody>
+      </p:sp>
+      <p:sp>
+        <p:nvSpPr>
+          <p:cNvPr id="3" name="Espace réservé du contenu 2"/>
+          <p:cNvSpPr>
+            <a:spLocks noGrp="1"/>
+          </p:cNvSpPr>
+          <p:nvPr>
+            <p:ph idx="1"/>
+          </p:nvPr>
+        </p:nvSpPr>
+        <p:spPr/>
+        <p:txBody>
+          <a:bodyPr/>
+          <a:lstStyle/>
+          <a:p>
+            <a:r>
+              <a:rPr lang="en-US" dirty="0"/>
+              <a:t>Need to test fields, using </a:t>
+            </a:r>
+            <a:r>
+              <a:rPr lang="en-US" b="1" dirty="0"/>
+              <a:t>non-regression tests</a:t>
+            </a:r>
+          </a:p>
+          <a:p>
+            <a:pPr lvl="1"/>
+            <a:r>
+              <a:rPr lang="en-US" dirty="0"/>
+              <a:t>validation </a:t>
+            </a:r>
+          </a:p>
+          <a:p>
+            <a:pPr lvl="1"/>
+            <a:r>
+              <a:rPr lang="en-US" dirty="0"/>
+              <a:t>domain model read &amp; update </a:t>
+            </a:r>
+          </a:p>
+          <a:p>
+            <a:pPr lvl="1"/>
+            <a:r>
+              <a:rPr lang="en-US" dirty="0"/>
+              <a:t>visibility update</a:t>
+            </a:r>
+          </a:p>
+          <a:p>
+            <a:pPr lvl="1"/>
+            <a:r>
+              <a:rPr lang="en-US" dirty="0"/>
+              <a:t>domain model reset</a:t>
+            </a:r>
+          </a:p>
+          <a:p>
+            <a:pPr lvl="1"/>
+            <a:endParaRPr lang="en-US" dirty="0"/>
+          </a:p>
+          <a:p>
+            <a:r>
+              <a:rPr lang="en-US" dirty="0"/>
+              <a:t>Generated mock factories allow to execute field outside a web application (GWT)</a:t>
+            </a:r>
+            <a:endParaRPr lang="fr-FR" dirty="0"/>
+          </a:p>
+          <a:p>
+            <a:endParaRPr lang="en-US" dirty="0"/>
+          </a:p>
+        </p:txBody>
+      </p:sp>
+    </p:spTree>
+    <p:extLst>
+      <p:ext uri="{BB962C8B-B14F-4D97-AF65-F5344CB8AC3E}">
+        <p14:creationId xmlns:p14="http://schemas.microsoft.com/office/powerpoint/2010/main" val="714747940"/>
+      </p:ext>
+    </p:extLst>
+  </p:cSld>
+  <p:clrMapOvr>
+    <a:masterClrMapping/>
+  </p:clrMapOvr>
+  <p:timing>
+    <p:tnLst>
+      <p:par>
+        <p:cTn id="1" dur="indefinite" restart="never" nodeType="tmRoot"/>
+      </p:par>
+    </p:tnLst>
+  </p:timing>
+</p:sld>
+</file>
+
+<file path=ppt/slides/slide45.xml><?xml version="1.0" encoding="utf-8"?>
+<p:sld xmlns:a="http://schemas.openxmlformats.org/drawingml/2006/main" xmlns:r="http://schemas.openxmlformats.org/officeDocument/2006/relationships" xmlns:p="http://schemas.openxmlformats.org/presentationml/2006/main">
+  <p:cSld>
+    <p:spTree>
+      <p:nvGrpSpPr>
+        <p:cNvPr id="1" name=""/>
+        <p:cNvGrpSpPr/>
+        <p:nvPr/>
+      </p:nvGrpSpPr>
+      <p:grpSpPr>
+        <a:xfrm>
+          <a:off x="0" y="0"/>
+          <a:ext cx="0" cy="0"/>
+          <a:chOff x="0" y="0"/>
+          <a:chExt cx="0" cy="0"/>
+        </a:xfrm>
+      </p:grpSpPr>
+      <p:sp>
+        <p:nvSpPr>
+          <p:cNvPr id="2" name="Titre 1"/>
+          <p:cNvSpPr>
+            <a:spLocks noGrp="1"/>
+          </p:cNvSpPr>
+          <p:nvPr>
+            <p:ph type="title"/>
+          </p:nvPr>
+        </p:nvSpPr>
+        <p:spPr/>
+        <p:txBody>
+          <a:bodyPr/>
+          <a:lstStyle/>
+          <a:p>
+            <a:r>
+              <a:rPr lang="en-US" dirty="0"/>
+              <a:t>Unit </a:t>
+            </a:r>
+            <a:r>
+              <a:rPr lang="en-US" dirty="0" smtClean="0"/>
+              <a:t>testing - Example</a:t>
+            </a:r>
+            <a:endParaRPr lang="fr-FR" dirty="0"/>
+          </a:p>
+        </p:txBody>
+      </p:sp>
+      <p:sp>
+        <p:nvSpPr>
+          <p:cNvPr id="3" name="Espace réservé du contenu 2"/>
+          <p:cNvSpPr>
+            <a:spLocks noGrp="1"/>
+          </p:cNvSpPr>
+          <p:nvPr>
+            <p:ph idx="1"/>
+          </p:nvPr>
+        </p:nvSpPr>
+        <p:spPr/>
+        <p:txBody>
+          <a:bodyPr/>
+          <a:lstStyle/>
+          <a:p>
+            <a:endParaRPr lang="fr-FR"/>
+          </a:p>
+        </p:txBody>
+      </p:sp>
+    </p:spTree>
+    <p:extLst>
+      <p:ext uri="{BB962C8B-B14F-4D97-AF65-F5344CB8AC3E}">
+        <p14:creationId xmlns:p14="http://schemas.microsoft.com/office/powerpoint/2010/main" val="856155110"/>
+      </p:ext>
+    </p:extLst>
+  </p:cSld>
+  <p:clrMapOvr>
+    <a:masterClrMapping/>
+  </p:clrMapOvr>
+  <p:timing>
+    <p:tnLst>
+      <p:par>
+        <p:cTn id="1" dur="indefinite" restart="never" nodeType="tmRoot"/>
+      </p:par>
+    </p:tnLst>
+  </p:timing>
+</p:sld>
+</file>
+
+<file path=ppt/slides/slide46.xml><?xml version="1.0" encoding="utf-8"?>
+<p:sld xmlns:a="http://schemas.openxmlformats.org/drawingml/2006/main" xmlns:r="http://schemas.openxmlformats.org/officeDocument/2006/relationships" xmlns:p="http://schemas.openxmlformats.org/presentationml/2006/main">
+  <p:cSld>
+    <p:spTree>
+      <p:nvGrpSpPr>
+        <p:cNvPr id="1" name=""/>
+        <p:cNvGrpSpPr/>
+        <p:nvPr/>
+      </p:nvGrpSpPr>
+      <p:grpSpPr>
+        <a:xfrm>
+          <a:off x="0" y="0"/>
+          <a:ext cx="0" cy="0"/>
+          <a:chOff x="0" y="0"/>
+          <a:chExt cx="0" cy="0"/>
+        </a:xfrm>
+      </p:grpSpPr>
+      <p:sp>
+        <p:nvSpPr>
+          <p:cNvPr id="2" name="Titre 1"/>
+          <p:cNvSpPr>
+            <a:spLocks noGrp="1"/>
+          </p:cNvSpPr>
+          <p:nvPr>
+            <p:ph type="title"/>
+          </p:nvPr>
+        </p:nvSpPr>
+        <p:spPr/>
+        <p:txBody>
+          <a:bodyPr/>
+          <a:lstStyle/>
+          <a:p>
+            <a:r>
+              <a:rPr lang="en-US" dirty="0" smtClean="0"/>
+              <a:t>Selenium and integration testing</a:t>
+            </a:r>
+            <a:endParaRPr lang="en-US" dirty="0"/>
+          </a:p>
+        </p:txBody>
+      </p:sp>
+      <p:sp>
+        <p:nvSpPr>
+          <p:cNvPr id="3" name="Espace réservé du contenu 2"/>
+          <p:cNvSpPr>
+            <a:spLocks noGrp="1"/>
+          </p:cNvSpPr>
+          <p:nvPr>
+            <p:ph idx="1"/>
+          </p:nvPr>
+        </p:nvSpPr>
+        <p:spPr/>
+        <p:txBody>
+          <a:bodyPr/>
+          <a:lstStyle/>
+          <a:p>
+            <a:r>
+              <a:rPr lang="en-US" dirty="0"/>
+              <a:t>Selenium is a </a:t>
+            </a:r>
+            <a:r>
+              <a:rPr lang="en-US" b="1" dirty="0"/>
+              <a:t>test automation</a:t>
+            </a:r>
+            <a:r>
+              <a:rPr lang="en-US" dirty="0"/>
+              <a:t> framework for </a:t>
+            </a:r>
+            <a:r>
+              <a:rPr lang="en-US" b="1" dirty="0"/>
+              <a:t>web applications</a:t>
+            </a:r>
+          </a:p>
+          <a:p>
+            <a:endParaRPr lang="en-US" dirty="0"/>
+          </a:p>
+          <a:p>
+            <a:r>
+              <a:rPr lang="en-US" dirty="0" smtClean="0"/>
+              <a:t>Supports: </a:t>
+            </a:r>
+            <a:endParaRPr lang="en-US" dirty="0"/>
+          </a:p>
+          <a:p>
+            <a:pPr lvl="1"/>
+            <a:r>
+              <a:rPr lang="en-US" b="1" dirty="0"/>
+              <a:t>Java</a:t>
+            </a:r>
+            <a:r>
+              <a:rPr lang="en-US" dirty="0"/>
+              <a:t>, Ruby, Python, C#, etc.</a:t>
+            </a:r>
+          </a:p>
+          <a:p>
+            <a:pPr lvl="1"/>
+            <a:r>
+              <a:rPr lang="en-US" b="1" dirty="0"/>
+              <a:t>Firefox</a:t>
+            </a:r>
+            <a:r>
+              <a:rPr lang="en-US" dirty="0"/>
+              <a:t>, Chrome, IE, iOS &amp; Android browsers, etc.</a:t>
+            </a:r>
+          </a:p>
+          <a:p>
+            <a:endParaRPr lang="fr-FR" dirty="0"/>
+          </a:p>
+          <a:p>
+            <a:endParaRPr lang="en-US" dirty="0"/>
+          </a:p>
+        </p:txBody>
+      </p:sp>
+    </p:spTree>
+    <p:extLst>
+      <p:ext uri="{BB962C8B-B14F-4D97-AF65-F5344CB8AC3E}">
+        <p14:creationId xmlns:p14="http://schemas.microsoft.com/office/powerpoint/2010/main" val="2654585083"/>
+      </p:ext>
+    </p:extLst>
+  </p:cSld>
+  <p:clrMapOvr>
+    <a:masterClrMapping/>
+  </p:clrMapOvr>
+  <p:timing>
+    <p:tnLst>
+      <p:par>
+        <p:cTn id="1" dur="indefinite" restart="never" nodeType="tmRoot"/>
+      </p:par>
+    </p:tnLst>
+  </p:timing>
+</p:sld>
+</file>
+
+<file path=ppt/slides/slide47.xml><?xml version="1.0" encoding="utf-8"?>
+<p:sld xmlns:a="http://schemas.openxmlformats.org/drawingml/2006/main" xmlns:r="http://schemas.openxmlformats.org/officeDocument/2006/relationships" xmlns:p="http://schemas.openxmlformats.org/presentationml/2006/main">
+  <p:cSld>
+    <p:spTree>
+      <p:nvGrpSpPr>
+        <p:cNvPr id="1" name=""/>
+        <p:cNvGrpSpPr/>
+        <p:nvPr/>
+      </p:nvGrpSpPr>
+      <p:grpSpPr>
+        <a:xfrm>
+          <a:off x="0" y="0"/>
+          <a:ext cx="0" cy="0"/>
+          <a:chOff x="0" y="0"/>
+          <a:chExt cx="0" cy="0"/>
+        </a:xfrm>
+      </p:grpSpPr>
+      <p:sp>
+        <p:nvSpPr>
+          <p:cNvPr id="2" name="Titre 1"/>
+          <p:cNvSpPr>
+            <a:spLocks noGrp="1"/>
+          </p:cNvSpPr>
+          <p:nvPr>
+            <p:ph type="title"/>
+          </p:nvPr>
+        </p:nvSpPr>
+        <p:spPr/>
+        <p:txBody>
+          <a:bodyPr/>
+          <a:lstStyle/>
+          <a:p>
+            <a:r>
+              <a:rPr lang="en-US" dirty="0"/>
+              <a:t>Selenium and integration testing</a:t>
+            </a:r>
+            <a:endParaRPr lang="fr-FR" dirty="0"/>
+          </a:p>
+        </p:txBody>
+      </p:sp>
+      <p:sp>
+        <p:nvSpPr>
+          <p:cNvPr id="3" name="Espace réservé du contenu 2"/>
+          <p:cNvSpPr>
+            <a:spLocks noGrp="1"/>
+          </p:cNvSpPr>
+          <p:nvPr>
+            <p:ph idx="1"/>
+          </p:nvPr>
+        </p:nvSpPr>
+        <p:spPr/>
+        <p:txBody>
+          <a:bodyPr/>
+          <a:lstStyle/>
+          <a:p>
+            <a:r>
+              <a:rPr lang="en-US" dirty="0"/>
+              <a:t>Generation of page objects classes</a:t>
+            </a:r>
+          </a:p>
+          <a:p>
+            <a:pPr lvl="1"/>
+            <a:r>
+              <a:rPr lang="en-US" dirty="0"/>
+              <a:t>each page object </a:t>
+            </a:r>
+            <a:r>
+              <a:rPr lang="en-US" b="1" dirty="0"/>
+              <a:t>represents a screen or a block </a:t>
+            </a:r>
+            <a:r>
+              <a:rPr lang="en-US" dirty="0"/>
+              <a:t>with selenium framework</a:t>
+            </a:r>
+          </a:p>
+          <a:p>
+            <a:pPr lvl="1"/>
+            <a:r>
+              <a:rPr lang="en-US" dirty="0"/>
+              <a:t>expose methods to </a:t>
+            </a:r>
+            <a:r>
+              <a:rPr lang="en-US" b="1" dirty="0"/>
+              <a:t>manipulate each fields</a:t>
+            </a:r>
+          </a:p>
+          <a:p>
+            <a:pPr lvl="1"/>
+            <a:endParaRPr lang="en-US" dirty="0"/>
+          </a:p>
+          <a:p>
+            <a:r>
+              <a:rPr lang="en-US" dirty="0"/>
+              <a:t>Make testing </a:t>
+            </a:r>
+            <a:r>
+              <a:rPr lang="en-US" b="1" dirty="0"/>
+              <a:t>easier</a:t>
+            </a:r>
+          </a:p>
+          <a:p>
+            <a:pPr lvl="1"/>
+            <a:r>
+              <a:rPr lang="en-US" b="1" dirty="0"/>
+              <a:t>hide</a:t>
+            </a:r>
+            <a:r>
+              <a:rPr lang="en-US" dirty="0"/>
+              <a:t> selenium framework complexity</a:t>
+            </a:r>
+          </a:p>
+          <a:p>
+            <a:pPr lvl="1"/>
+            <a:r>
+              <a:rPr lang="en-US" b="1" dirty="0"/>
+              <a:t>minimize</a:t>
+            </a:r>
+            <a:r>
+              <a:rPr lang="en-US" dirty="0"/>
+              <a:t> the test maintenance effort</a:t>
+            </a:r>
+            <a:endParaRPr lang="fr-FR" dirty="0"/>
+          </a:p>
+          <a:p>
+            <a:endParaRPr lang="fr-FR" dirty="0"/>
+          </a:p>
+        </p:txBody>
+      </p:sp>
+    </p:spTree>
+    <p:extLst>
+      <p:ext uri="{BB962C8B-B14F-4D97-AF65-F5344CB8AC3E}">
+        <p14:creationId xmlns:p14="http://schemas.microsoft.com/office/powerpoint/2010/main" val="1683021932"/>
+      </p:ext>
+    </p:extLst>
+  </p:cSld>
+  <p:clrMapOvr>
+    <a:masterClrMapping/>
+  </p:clrMapOvr>
+  <p:timing>
+    <p:tnLst>
+      <p:par>
+        <p:cTn id="1" dur="indefinite" restart="never" nodeType="tmRoot"/>
+      </p:par>
+    </p:tnLst>
+  </p:timing>
+</p:sld>
+</file>
+
+<file path=ppt/slides/slide48.xml><?xml version="1.0" encoding="utf-8"?>
+<p:sld xmlns:a="http://schemas.openxmlformats.org/drawingml/2006/main" xmlns:r="http://schemas.openxmlformats.org/officeDocument/2006/relationships" xmlns:p="http://schemas.openxmlformats.org/presentationml/2006/main">
+  <p:cSld>
+    <p:spTree>
+      <p:nvGrpSpPr>
+        <p:cNvPr id="1" name=""/>
+        <p:cNvGrpSpPr/>
+        <p:nvPr/>
+      </p:nvGrpSpPr>
+      <p:grpSpPr>
+        <a:xfrm>
+          <a:off x="0" y="0"/>
+          <a:ext cx="0" cy="0"/>
+          <a:chOff x="0" y="0"/>
+          <a:chExt cx="0" cy="0"/>
+        </a:xfrm>
+      </p:grpSpPr>
+      <p:sp>
+        <p:nvSpPr>
+          <p:cNvPr id="2" name="Titre 1"/>
+          <p:cNvSpPr>
+            <a:spLocks noGrp="1"/>
+          </p:cNvSpPr>
+          <p:nvPr>
+            <p:ph type="title"/>
+          </p:nvPr>
+        </p:nvSpPr>
+        <p:spPr/>
+        <p:txBody>
+          <a:bodyPr/>
+          <a:lstStyle/>
+          <a:p>
+            <a:r>
               <a:rPr lang="fr-FR" dirty="0" err="1" smtClean="0"/>
               <a:t>Integration</a:t>
             </a:r>
@@ -14857,8 +15945,8 @@
         </p:blipFill>
         <p:spPr>
           <a:xfrm>
-            <a:off x="1219200" y="4648200"/>
-            <a:ext cx="6991350" cy="1676400"/>
+            <a:off x="685800" y="4648200"/>
+            <a:ext cx="7696200" cy="1676400"/>
           </a:xfrm>
           <a:prstGeom prst="rect">
             <a:avLst/>
@@ -14897,7 +15985,86 @@
     </p:spTree>
     <p:extLst>
       <p:ext uri="{BB962C8B-B14F-4D97-AF65-F5344CB8AC3E}">
-        <p14:creationId xmlns:p14="http://schemas.microsoft.com/office/powerpoint/2010/main" val="1130558055"/>
+        <p14:creationId xmlns:p14="http://schemas.microsoft.com/office/powerpoint/2010/main" val="3007787296"/>
+      </p:ext>
+    </p:extLst>
+  </p:cSld>
+  <p:clrMapOvr>
+    <a:masterClrMapping/>
+  </p:clrMapOvr>
+  <p:timing>
+    <p:tnLst>
+      <p:par>
+        <p:cTn id="1" dur="indefinite" restart="never" nodeType="tmRoot"/>
+      </p:par>
+    </p:tnLst>
+  </p:timing>
+</p:sld>
+</file>
+
+<file path=ppt/slides/slide49.xml><?xml version="1.0" encoding="utf-8"?>
+<p:sld xmlns:a="http://schemas.openxmlformats.org/drawingml/2006/main" xmlns:r="http://schemas.openxmlformats.org/officeDocument/2006/relationships" xmlns:p="http://schemas.openxmlformats.org/presentationml/2006/main">
+  <p:cSld>
+    <p:spTree>
+      <p:nvGrpSpPr>
+        <p:cNvPr id="1" name=""/>
+        <p:cNvGrpSpPr/>
+        <p:nvPr/>
+      </p:nvGrpSpPr>
+      <p:grpSpPr>
+        <a:xfrm>
+          <a:off x="0" y="0"/>
+          <a:ext cx="0" cy="0"/>
+          <a:chOff x="0" y="0"/>
+          <a:chExt cx="0" cy="0"/>
+        </a:xfrm>
+      </p:grpSpPr>
+      <p:sp>
+        <p:nvSpPr>
+          <p:cNvPr id="2" name="Titre 1"/>
+          <p:cNvSpPr>
+            <a:spLocks noGrp="1"/>
+          </p:cNvSpPr>
+          <p:nvPr>
+            <p:ph type="title"/>
+          </p:nvPr>
+        </p:nvSpPr>
+        <p:spPr/>
+        <p:txBody>
+          <a:bodyPr/>
+          <a:lstStyle/>
+          <a:p>
+            <a:r>
+              <a:rPr lang="en-US" dirty="0" smtClean="0"/>
+              <a:t>Refactoring and Agile practice</a:t>
+            </a:r>
+            <a:endParaRPr lang="en-US" dirty="0"/>
+          </a:p>
+        </p:txBody>
+      </p:sp>
+      <p:sp>
+        <p:nvSpPr>
+          <p:cNvPr id="3" name="Espace réservé du contenu 2"/>
+          <p:cNvSpPr>
+            <a:spLocks noGrp="1"/>
+          </p:cNvSpPr>
+          <p:nvPr>
+            <p:ph idx="1"/>
+          </p:nvPr>
+        </p:nvSpPr>
+        <p:spPr/>
+        <p:txBody>
+          <a:bodyPr/>
+          <a:lstStyle/>
+          <a:p>
+            <a:endParaRPr lang="en-US"/>
+          </a:p>
+        </p:txBody>
+      </p:sp>
+    </p:spTree>
+    <p:extLst>
+      <p:ext uri="{BB962C8B-B14F-4D97-AF65-F5344CB8AC3E}">
+        <p14:creationId xmlns:p14="http://schemas.microsoft.com/office/powerpoint/2010/main" val="40929930"/>
       </p:ext>
     </p:extLst>
   </p:cSld>
@@ -15053,6 +16220,85 @@
     <p:extLst>
       <p:ext uri="{BB962C8B-B14F-4D97-AF65-F5344CB8AC3E}">
         <p14:creationId xmlns:p14="http://schemas.microsoft.com/office/powerpoint/2010/main" val="13878138"/>
+      </p:ext>
+    </p:extLst>
+  </p:cSld>
+  <p:clrMapOvr>
+    <a:masterClrMapping/>
+  </p:clrMapOvr>
+  <p:timing>
+    <p:tnLst>
+      <p:par>
+        <p:cTn id="1" dur="indefinite" restart="never" nodeType="tmRoot"/>
+      </p:par>
+    </p:tnLst>
+  </p:timing>
+</p:sld>
+</file>
+
+<file path=ppt/slides/slide50.xml><?xml version="1.0" encoding="utf-8"?>
+<p:sld xmlns:a="http://schemas.openxmlformats.org/drawingml/2006/main" xmlns:r="http://schemas.openxmlformats.org/officeDocument/2006/relationships" xmlns:p="http://schemas.openxmlformats.org/presentationml/2006/main">
+  <p:cSld>
+    <p:spTree>
+      <p:nvGrpSpPr>
+        <p:cNvPr id="1" name=""/>
+        <p:cNvGrpSpPr/>
+        <p:nvPr/>
+      </p:nvGrpSpPr>
+      <p:grpSpPr>
+        <a:xfrm>
+          <a:off x="0" y="0"/>
+          <a:ext cx="0" cy="0"/>
+          <a:chOff x="0" y="0"/>
+          <a:chExt cx="0" cy="0"/>
+        </a:xfrm>
+      </p:grpSpPr>
+      <p:sp>
+        <p:nvSpPr>
+          <p:cNvPr id="2" name="Titre 1"/>
+          <p:cNvSpPr>
+            <a:spLocks noGrp="1"/>
+          </p:cNvSpPr>
+          <p:nvPr>
+            <p:ph type="title"/>
+          </p:nvPr>
+        </p:nvSpPr>
+        <p:spPr/>
+        <p:txBody>
+          <a:bodyPr/>
+          <a:lstStyle/>
+          <a:p>
+            <a:r>
+              <a:rPr lang="en-US" dirty="0" smtClean="0"/>
+              <a:t>Not yet presented</a:t>
+            </a:r>
+            <a:endParaRPr lang="en-US" dirty="0"/>
+          </a:p>
+        </p:txBody>
+      </p:sp>
+      <p:sp>
+        <p:nvSpPr>
+          <p:cNvPr id="3" name="Espace réservé du contenu 2"/>
+          <p:cNvSpPr>
+            <a:spLocks noGrp="1"/>
+          </p:cNvSpPr>
+          <p:nvPr>
+            <p:ph idx="1"/>
+          </p:nvPr>
+        </p:nvSpPr>
+        <p:spPr/>
+        <p:txBody>
+          <a:bodyPr/>
+          <a:lstStyle/>
+          <a:p>
+            <a:endParaRPr lang="en-US"/>
+          </a:p>
+        </p:txBody>
+      </p:sp>
+    </p:spTree>
+    <p:extLst>
+      <p:ext uri="{BB962C8B-B14F-4D97-AF65-F5344CB8AC3E}">
+        <p14:creationId xmlns:p14="http://schemas.microsoft.com/office/powerpoint/2010/main" val="4014343169"/>
       </p:ext>
     </p:extLst>
   </p:cSld>

--- a/mdl4ui-docs/mdl4ui_cg2013_jba_draft.pptx
+++ b/mdl4ui-docs/mdl4ui_cg2013_jba_draft.pptx
@@ -15441,12 +15441,33 @@
           <a:p>
             <a:r>
               <a:rPr lang="en-US" dirty="0"/>
-              <a:t>Need to test fields, using </a:t>
+              <a:t>Need to </a:t>
             </a:r>
             <a:r>
               <a:rPr lang="en-US" b="1" dirty="0"/>
-              <a:t>non-regression tests</a:t>
-            </a:r>
+              <a:t>test </a:t>
+            </a:r>
+            <a:r>
+              <a:rPr lang="en-US" b="1" dirty="0" smtClean="0"/>
+              <a:t>fields</a:t>
+            </a:r>
+            <a:r>
+              <a:rPr lang="en-US" dirty="0" smtClean="0"/>
+              <a:t> </a:t>
+            </a:r>
+            <a:r>
+              <a:rPr lang="en-US" dirty="0"/>
+              <a:t>using </a:t>
+            </a:r>
+            <a:r>
+              <a:rPr lang="en-US" b="1" dirty="0"/>
+              <a:t>non-regression </a:t>
+            </a:r>
+            <a:r>
+              <a:rPr lang="en-US" dirty="0" smtClean="0"/>
+              <a:t>tests:</a:t>
+            </a:r>
+            <a:endParaRPr lang="en-US" dirty="0"/>
           </a:p>
           <a:p>
             <a:pPr lvl="1"/>
@@ -15483,7 +15504,15 @@
           <a:p>
             <a:r>
               <a:rPr lang="en-US" dirty="0"/>
-              <a:t>Generated mock factories allow to execute field outside a web application (GWT)</a:t>
+              <a:t>Generated mock factories allow to execute field </a:t>
+            </a:r>
+            <a:r>
+              <a:rPr lang="en-US" dirty="0" smtClean="0"/>
+              <a:t>without a </a:t>
+            </a:r>
+            <a:r>
+              <a:rPr lang="en-US" dirty="0"/>
+              <a:t>web application (GWT)</a:t>
             </a:r>
             <a:endParaRPr lang="fr-FR" dirty="0"/>
           </a:p>
@@ -15550,7 +15579,7 @@
             </a:r>
             <a:r>
               <a:rPr lang="en-US" dirty="0" smtClean="0"/>
-              <a:t>testing - Example</a:t>
+              <a:t>testing</a:t>
             </a:r>
             <a:endParaRPr lang="fr-FR" dirty="0"/>
           </a:p>
@@ -15566,12 +15595,1020 @@
             <p:ph idx="1"/>
           </p:nvPr>
         </p:nvSpPr>
-        <p:spPr/>
-        <p:txBody>
-          <a:bodyPr/>
+        <p:spPr>
+          <a:xfrm>
+            <a:off x="457200" y="1219200"/>
+            <a:ext cx="9601200" cy="5638800"/>
+          </a:xfrm>
+        </p:spPr>
+        <p:txBody>
+          <a:bodyPr>
+            <a:normAutofit fontScale="47500" lnSpcReduction="20000"/>
+          </a:bodyPr>
           <a:lstStyle/>
           <a:p>
-            <a:endParaRPr lang="fr-FR"/>
+            <a:pPr marL="0" indent="0">
+              <a:buNone/>
+            </a:pPr>
+            <a:r>
+              <a:rPr lang="fr-FR" dirty="0"/>
+              <a:t>    @Test</a:t>
+            </a:r>
+          </a:p>
+          <a:p>
+            <a:pPr marL="0" indent="0">
+              <a:buNone/>
+            </a:pPr>
+            <a:r>
+              <a:rPr lang="fr-FR" dirty="0"/>
+              <a:t>    </a:t>
+            </a:r>
+            <a:r>
+              <a:rPr lang="fr-FR" b="1" dirty="0"/>
+              <a:t>public</a:t>
+            </a:r>
+            <a:r>
+              <a:rPr lang="fr-FR" dirty="0"/>
+              <a:t> </a:t>
+            </a:r>
+            <a:r>
+              <a:rPr lang="fr-FR" b="1" dirty="0" err="1">
+                <a:solidFill>
+                  <a:srgbClr val="445588"/>
+                </a:solidFill>
+              </a:rPr>
+              <a:t>void</a:t>
+            </a:r>
+            <a:r>
+              <a:rPr lang="fr-FR" dirty="0"/>
+              <a:t> </a:t>
+            </a:r>
+            <a:r>
+              <a:rPr lang="fr-FR" b="1" dirty="0" err="1">
+                <a:solidFill>
+                  <a:srgbClr val="990000"/>
+                </a:solidFill>
+              </a:rPr>
+              <a:t>dependencies</a:t>
+            </a:r>
+            <a:r>
+              <a:rPr lang="fr-FR" b="1" dirty="0"/>
+              <a:t>()</a:t>
+            </a:r>
+            <a:r>
+              <a:rPr lang="fr-FR" dirty="0"/>
+              <a:t> </a:t>
+            </a:r>
+            <a:r>
+              <a:rPr lang="fr-FR" b="1" dirty="0"/>
+              <a:t>{</a:t>
+            </a:r>
+            <a:endParaRPr lang="fr-FR" dirty="0"/>
+          </a:p>
+          <a:p>
+            <a:pPr marL="0" indent="0">
+              <a:buNone/>
+            </a:pPr>
+            <a:r>
+              <a:rPr lang="fr-FR" dirty="0"/>
+              <a:t>        </a:t>
+            </a:r>
+            <a:r>
+              <a:rPr lang="fr-FR" dirty="0">
+                <a:solidFill>
+                  <a:srgbClr val="333333"/>
+                </a:solidFill>
+              </a:rPr>
+              <a:t>Collection</a:t>
+            </a:r>
+            <a:r>
+              <a:rPr lang="fr-FR" b="1" dirty="0"/>
+              <a:t>&lt;</a:t>
+            </a:r>
+            <a:r>
+              <a:rPr lang="fr-FR" dirty="0" err="1">
+                <a:solidFill>
+                  <a:srgbClr val="333333"/>
+                </a:solidFill>
+              </a:rPr>
+              <a:t>FieldID</a:t>
+            </a:r>
+            <a:r>
+              <a:rPr lang="fr-FR" b="1" dirty="0"/>
+              <a:t>&gt;</a:t>
+            </a:r>
+            <a:r>
+              <a:rPr lang="fr-FR" dirty="0"/>
+              <a:t> </a:t>
+            </a:r>
+            <a:r>
+              <a:rPr lang="fr-FR" dirty="0" err="1">
+                <a:solidFill>
+                  <a:srgbClr val="333333"/>
+                </a:solidFill>
+              </a:rPr>
+              <a:t>dependencies</a:t>
+            </a:r>
+            <a:r>
+              <a:rPr lang="fr-FR" dirty="0"/>
+              <a:t> </a:t>
+            </a:r>
+            <a:r>
+              <a:rPr lang="fr-FR" b="1" dirty="0"/>
+              <a:t>=</a:t>
+            </a:r>
+            <a:r>
+              <a:rPr lang="fr-FR" dirty="0"/>
+              <a:t> </a:t>
+            </a:r>
+            <a:r>
+              <a:rPr lang="fr-FR" dirty="0" err="1" smtClean="0">
+                <a:solidFill>
+                  <a:srgbClr val="333333"/>
+                </a:solidFill>
+              </a:rPr>
+              <a:t>Arrays</a:t>
+            </a:r>
+            <a:r>
+              <a:rPr lang="fr-FR" b="1" dirty="0" err="1" smtClean="0"/>
+              <a:t>.</a:t>
+            </a:r>
+            <a:r>
+              <a:rPr lang="fr-FR" dirty="0" err="1" smtClean="0">
+                <a:solidFill>
+                  <a:srgbClr val="008080"/>
+                </a:solidFill>
+              </a:rPr>
+              <a:t>asList</a:t>
+            </a:r>
+            <a:r>
+              <a:rPr lang="fr-FR" b="1" dirty="0" smtClean="0"/>
+              <a:t>(</a:t>
+            </a:r>
+            <a:r>
+              <a:rPr lang="fr-FR" dirty="0" err="1" smtClean="0">
+                <a:solidFill>
+                  <a:srgbClr val="333333"/>
+                </a:solidFill>
+              </a:rPr>
+              <a:t>dependencyFactory</a:t>
+            </a:r>
+            <a:r>
+              <a:rPr lang="fr-FR" b="1" dirty="0" err="1" smtClean="0"/>
+              <a:t>.</a:t>
+            </a:r>
+            <a:r>
+              <a:rPr lang="fr-FR" dirty="0" err="1" smtClean="0">
+                <a:solidFill>
+                  <a:srgbClr val="008080"/>
+                </a:solidFill>
+              </a:rPr>
+              <a:t>get</a:t>
+            </a:r>
+            <a:r>
+              <a:rPr lang="fr-FR" b="1" dirty="0" smtClean="0"/>
+              <a:t>(</a:t>
+            </a:r>
+            <a:r>
+              <a:rPr lang="fr-FR" dirty="0" smtClean="0">
+                <a:solidFill>
+                  <a:srgbClr val="333333"/>
+                </a:solidFill>
+              </a:rPr>
+              <a:t>EMAIL_ACCEPTED</a:t>
+            </a:r>
+            <a:r>
+              <a:rPr lang="fr-FR" b="1" dirty="0" smtClean="0"/>
+              <a:t>));</a:t>
+            </a:r>
+            <a:endParaRPr lang="fr-FR" dirty="0" smtClean="0"/>
+          </a:p>
+          <a:p>
+            <a:pPr marL="0" indent="0">
+              <a:buNone/>
+            </a:pPr>
+            <a:endParaRPr lang="fr-FR" dirty="0" smtClean="0"/>
+          </a:p>
+          <a:p>
+            <a:pPr marL="0" indent="0">
+              <a:buNone/>
+            </a:pPr>
+            <a:r>
+              <a:rPr lang="fr-FR" dirty="0"/>
+              <a:t>        </a:t>
+            </a:r>
+            <a:r>
+              <a:rPr lang="fr-FR" dirty="0" err="1">
+                <a:solidFill>
+                  <a:srgbClr val="333333"/>
+                </a:solidFill>
+              </a:rPr>
+              <a:t>assertEquals</a:t>
+            </a:r>
+            <a:r>
+              <a:rPr lang="fr-FR" b="1" dirty="0"/>
+              <a:t>(</a:t>
+            </a:r>
+            <a:r>
+              <a:rPr lang="fr-FR" dirty="0">
+                <a:solidFill>
+                  <a:srgbClr val="009999"/>
+                </a:solidFill>
+              </a:rPr>
+              <a:t>2</a:t>
+            </a:r>
+            <a:r>
+              <a:rPr lang="fr-FR" b="1" dirty="0"/>
+              <a:t>,</a:t>
+            </a:r>
+            <a:r>
+              <a:rPr lang="fr-FR" dirty="0"/>
+              <a:t> </a:t>
+            </a:r>
+            <a:r>
+              <a:rPr lang="fr-FR" dirty="0" err="1">
+                <a:solidFill>
+                  <a:srgbClr val="333333"/>
+                </a:solidFill>
+              </a:rPr>
+              <a:t>dependencies</a:t>
+            </a:r>
+            <a:r>
+              <a:rPr lang="fr-FR" b="1" dirty="0" err="1"/>
+              <a:t>.</a:t>
+            </a:r>
+            <a:r>
+              <a:rPr lang="fr-FR" dirty="0" err="1">
+                <a:solidFill>
+                  <a:srgbClr val="008080"/>
+                </a:solidFill>
+              </a:rPr>
+              <a:t>size</a:t>
+            </a:r>
+            <a:r>
+              <a:rPr lang="fr-FR" b="1" dirty="0"/>
+              <a:t>());</a:t>
+            </a:r>
+            <a:endParaRPr lang="fr-FR" dirty="0"/>
+          </a:p>
+          <a:p>
+            <a:pPr marL="0" indent="0">
+              <a:buNone/>
+            </a:pPr>
+            <a:r>
+              <a:rPr lang="fr-FR" dirty="0"/>
+              <a:t>        </a:t>
+            </a:r>
+            <a:r>
+              <a:rPr lang="fr-FR" dirty="0" err="1">
+                <a:solidFill>
+                  <a:srgbClr val="333333"/>
+                </a:solidFill>
+              </a:rPr>
+              <a:t>assertTrue</a:t>
+            </a:r>
+            <a:r>
+              <a:rPr lang="fr-FR" b="1" dirty="0"/>
+              <a:t>(</a:t>
+            </a:r>
+            <a:r>
+              <a:rPr lang="fr-FR" dirty="0" err="1">
+                <a:solidFill>
+                  <a:srgbClr val="333333"/>
+                </a:solidFill>
+              </a:rPr>
+              <a:t>dependencies</a:t>
+            </a:r>
+            <a:r>
+              <a:rPr lang="fr-FR" b="1" dirty="0" err="1"/>
+              <a:t>.</a:t>
+            </a:r>
+            <a:r>
+              <a:rPr lang="fr-FR" dirty="0" err="1">
+                <a:solidFill>
+                  <a:srgbClr val="008080"/>
+                </a:solidFill>
+              </a:rPr>
+              <a:t>contains</a:t>
+            </a:r>
+            <a:r>
+              <a:rPr lang="fr-FR" b="1" dirty="0"/>
+              <a:t>(</a:t>
+            </a:r>
+            <a:r>
+              <a:rPr lang="fr-FR" dirty="0">
+                <a:solidFill>
+                  <a:srgbClr val="333333"/>
+                </a:solidFill>
+              </a:rPr>
+              <a:t>EMAILS_PREFERENCES</a:t>
+            </a:r>
+            <a:r>
+              <a:rPr lang="fr-FR" b="1" dirty="0"/>
+              <a:t>));</a:t>
+            </a:r>
+            <a:endParaRPr lang="fr-FR" dirty="0"/>
+          </a:p>
+          <a:p>
+            <a:pPr marL="0" indent="0">
+              <a:buNone/>
+            </a:pPr>
+            <a:r>
+              <a:rPr lang="fr-FR" dirty="0"/>
+              <a:t>        </a:t>
+            </a:r>
+            <a:r>
+              <a:rPr lang="fr-FR" dirty="0" err="1">
+                <a:solidFill>
+                  <a:srgbClr val="333333"/>
+                </a:solidFill>
+              </a:rPr>
+              <a:t>assertTrue</a:t>
+            </a:r>
+            <a:r>
+              <a:rPr lang="fr-FR" b="1" dirty="0"/>
+              <a:t>(</a:t>
+            </a:r>
+            <a:r>
+              <a:rPr lang="fr-FR" dirty="0" err="1">
+                <a:solidFill>
+                  <a:srgbClr val="333333"/>
+                </a:solidFill>
+              </a:rPr>
+              <a:t>dependencies</a:t>
+            </a:r>
+            <a:r>
+              <a:rPr lang="fr-FR" b="1" dirty="0" err="1"/>
+              <a:t>.</a:t>
+            </a:r>
+            <a:r>
+              <a:rPr lang="fr-FR" dirty="0" err="1">
+                <a:solidFill>
+                  <a:srgbClr val="008080"/>
+                </a:solidFill>
+              </a:rPr>
+              <a:t>contains</a:t>
+            </a:r>
+            <a:r>
+              <a:rPr lang="fr-FR" b="1" dirty="0"/>
+              <a:t>(</a:t>
+            </a:r>
+            <a:r>
+              <a:rPr lang="fr-FR" dirty="0">
+                <a:solidFill>
+                  <a:srgbClr val="333333"/>
+                </a:solidFill>
+              </a:rPr>
+              <a:t>MAX_WEEKLY_EMAILS</a:t>
+            </a:r>
+            <a:r>
+              <a:rPr lang="fr-FR" b="1" dirty="0"/>
+              <a:t>));</a:t>
+            </a:r>
+            <a:endParaRPr lang="fr-FR" dirty="0"/>
+          </a:p>
+          <a:p>
+            <a:pPr marL="0" indent="0">
+              <a:buNone/>
+            </a:pPr>
+            <a:r>
+              <a:rPr lang="fr-FR" dirty="0"/>
+              <a:t>    </a:t>
+            </a:r>
+            <a:r>
+              <a:rPr lang="fr-FR" b="1" dirty="0" smtClean="0"/>
+              <a:t>}</a:t>
+            </a:r>
+            <a:r>
+              <a:rPr lang="fr-FR" dirty="0"/>
+              <a:t/>
+            </a:r>
+            <a:br>
+              <a:rPr lang="fr-FR" dirty="0"/>
+            </a:br>
+            <a:endParaRPr lang="fr-FR" dirty="0"/>
+          </a:p>
+          <a:p>
+            <a:pPr marL="0" indent="0">
+              <a:buNone/>
+            </a:pPr>
+            <a:r>
+              <a:rPr lang="fr-FR" dirty="0"/>
+              <a:t>    @Test</a:t>
+            </a:r>
+          </a:p>
+          <a:p>
+            <a:pPr marL="0" indent="0">
+              <a:buNone/>
+            </a:pPr>
+            <a:r>
+              <a:rPr lang="fr-FR" dirty="0"/>
+              <a:t>    </a:t>
+            </a:r>
+            <a:r>
+              <a:rPr lang="fr-FR" b="1" dirty="0"/>
+              <a:t>public</a:t>
+            </a:r>
+            <a:r>
+              <a:rPr lang="fr-FR" dirty="0"/>
+              <a:t> </a:t>
+            </a:r>
+            <a:r>
+              <a:rPr lang="fr-FR" b="1" dirty="0" err="1">
+                <a:solidFill>
+                  <a:srgbClr val="445588"/>
+                </a:solidFill>
+              </a:rPr>
+              <a:t>void</a:t>
+            </a:r>
+            <a:r>
+              <a:rPr lang="fr-FR" dirty="0"/>
+              <a:t> </a:t>
+            </a:r>
+            <a:r>
+              <a:rPr lang="fr-FR" b="1" dirty="0" err="1" smtClean="0">
+                <a:solidFill>
+                  <a:srgbClr val="990000"/>
+                </a:solidFill>
+              </a:rPr>
+              <a:t>visibility</a:t>
+            </a:r>
+            <a:r>
+              <a:rPr lang="fr-FR" b="1" dirty="0"/>
+              <a:t>()</a:t>
+            </a:r>
+            <a:r>
+              <a:rPr lang="fr-FR" dirty="0"/>
+              <a:t> </a:t>
+            </a:r>
+            <a:r>
+              <a:rPr lang="fr-FR" b="1" dirty="0"/>
+              <a:t>{</a:t>
+            </a:r>
+            <a:endParaRPr lang="fr-FR" dirty="0"/>
+          </a:p>
+          <a:p>
+            <a:pPr marL="0" indent="0">
+              <a:buNone/>
+            </a:pPr>
+            <a:r>
+              <a:rPr lang="fr-FR" dirty="0"/>
+              <a:t>        </a:t>
+            </a:r>
+            <a:r>
+              <a:rPr lang="fr-FR" dirty="0" err="1">
+                <a:solidFill>
+                  <a:srgbClr val="333333"/>
+                </a:solidFill>
+              </a:rPr>
+              <a:t>SampleContext</a:t>
+            </a:r>
+            <a:r>
+              <a:rPr lang="fr-FR" dirty="0"/>
+              <a:t> </a:t>
+            </a:r>
+            <a:r>
+              <a:rPr lang="fr-FR" dirty="0" err="1">
+                <a:solidFill>
+                  <a:srgbClr val="333333"/>
+                </a:solidFill>
+              </a:rPr>
+              <a:t>context</a:t>
+            </a:r>
+            <a:r>
+              <a:rPr lang="fr-FR" dirty="0"/>
+              <a:t> </a:t>
+            </a:r>
+            <a:r>
+              <a:rPr lang="fr-FR" b="1" dirty="0"/>
+              <a:t>=</a:t>
+            </a:r>
+            <a:r>
+              <a:rPr lang="fr-FR" dirty="0"/>
+              <a:t> </a:t>
+            </a:r>
+            <a:r>
+              <a:rPr lang="fr-FR" b="1" dirty="0"/>
+              <a:t>new</a:t>
+            </a:r>
+            <a:r>
+              <a:rPr lang="fr-FR" dirty="0"/>
+              <a:t> </a:t>
+            </a:r>
+            <a:r>
+              <a:rPr lang="fr-FR" dirty="0" err="1">
+                <a:solidFill>
+                  <a:srgbClr val="333333"/>
+                </a:solidFill>
+              </a:rPr>
+              <a:t>SampleContext</a:t>
+            </a:r>
+            <a:r>
+              <a:rPr lang="fr-FR" b="1" dirty="0" smtClean="0"/>
+              <a:t>();</a:t>
+            </a:r>
+            <a:r>
+              <a:rPr lang="fr-FR" dirty="0"/>
+              <a:t/>
+            </a:r>
+            <a:br>
+              <a:rPr lang="fr-FR" dirty="0"/>
+            </a:br>
+            <a:endParaRPr lang="fr-FR" dirty="0"/>
+          </a:p>
+          <a:p>
+            <a:pPr marL="0" indent="0">
+              <a:buNone/>
+            </a:pPr>
+            <a:r>
+              <a:rPr lang="fr-FR" dirty="0"/>
+              <a:t>        </a:t>
+            </a:r>
+            <a:r>
+              <a:rPr lang="fr-FR" b="1" dirty="0"/>
+              <a:t>for</a:t>
+            </a:r>
+            <a:r>
+              <a:rPr lang="fr-FR" dirty="0"/>
+              <a:t> </a:t>
+            </a:r>
+            <a:r>
+              <a:rPr lang="fr-FR" b="1" dirty="0"/>
+              <a:t>(</a:t>
+            </a:r>
+            <a:r>
+              <a:rPr lang="fr-FR" dirty="0" err="1">
+                <a:solidFill>
+                  <a:srgbClr val="333333"/>
+                </a:solidFill>
+              </a:rPr>
+              <a:t>FieldID</a:t>
+            </a:r>
+            <a:r>
+              <a:rPr lang="fr-FR" dirty="0"/>
+              <a:t> </a:t>
+            </a:r>
+            <a:r>
+              <a:rPr lang="fr-FR" dirty="0" err="1">
+                <a:solidFill>
+                  <a:srgbClr val="333333"/>
+                </a:solidFill>
+              </a:rPr>
+              <a:t>dependency</a:t>
+            </a:r>
+            <a:r>
+              <a:rPr lang="fr-FR" dirty="0"/>
+              <a:t> </a:t>
+            </a:r>
+            <a:r>
+              <a:rPr lang="fr-FR" b="1" dirty="0"/>
+              <a:t>:</a:t>
+            </a:r>
+            <a:r>
+              <a:rPr lang="fr-FR" dirty="0"/>
+              <a:t> </a:t>
+            </a:r>
+            <a:r>
+              <a:rPr lang="fr-FR" dirty="0" err="1" smtClean="0">
+                <a:solidFill>
+                  <a:srgbClr val="333333"/>
+                </a:solidFill>
+              </a:rPr>
+              <a:t>dependencyFactory</a:t>
+            </a:r>
+            <a:r>
+              <a:rPr lang="fr-FR" b="1" dirty="0" err="1" smtClean="0"/>
+              <a:t>.</a:t>
+            </a:r>
+            <a:r>
+              <a:rPr lang="fr-FR" dirty="0" err="1" smtClean="0">
+                <a:solidFill>
+                  <a:srgbClr val="008080"/>
+                </a:solidFill>
+              </a:rPr>
+              <a:t>get</a:t>
+            </a:r>
+            <a:r>
+              <a:rPr lang="fr-FR" b="1" dirty="0" smtClean="0"/>
+              <a:t>(</a:t>
+            </a:r>
+            <a:r>
+              <a:rPr lang="fr-FR" dirty="0" smtClean="0">
+                <a:solidFill>
+                  <a:srgbClr val="333333"/>
+                </a:solidFill>
+              </a:rPr>
+              <a:t>EMAIL_ACCEPTED</a:t>
+            </a:r>
+            <a:r>
+              <a:rPr lang="fr-FR" b="1" dirty="0"/>
+              <a:t>))</a:t>
+            </a:r>
+            <a:r>
+              <a:rPr lang="fr-FR" dirty="0"/>
+              <a:t> </a:t>
+            </a:r>
+            <a:r>
+              <a:rPr lang="fr-FR" b="1" dirty="0"/>
+              <a:t>{</a:t>
+            </a:r>
+            <a:endParaRPr lang="fr-FR" dirty="0"/>
+          </a:p>
+          <a:p>
+            <a:pPr marL="0" indent="0">
+              <a:buNone/>
+            </a:pPr>
+            <a:r>
+              <a:rPr lang="fr-FR" dirty="0"/>
+              <a:t>            </a:t>
+            </a:r>
+            <a:r>
+              <a:rPr lang="fr-FR" dirty="0" err="1">
+                <a:solidFill>
+                  <a:srgbClr val="333333"/>
+                </a:solidFill>
+              </a:rPr>
+              <a:t>FieldBehaviour</a:t>
+            </a:r>
+            <a:r>
+              <a:rPr lang="fr-FR" dirty="0"/>
+              <a:t> </a:t>
+            </a:r>
+            <a:r>
+              <a:rPr lang="fr-FR" dirty="0" err="1">
+                <a:solidFill>
+                  <a:srgbClr val="333333"/>
+                </a:solidFill>
+              </a:rPr>
+              <a:t>behaviour</a:t>
+            </a:r>
+            <a:r>
+              <a:rPr lang="fr-FR" dirty="0"/>
+              <a:t> </a:t>
+            </a:r>
+            <a:r>
+              <a:rPr lang="fr-FR" b="1" dirty="0"/>
+              <a:t>=</a:t>
+            </a:r>
+            <a:r>
+              <a:rPr lang="fr-FR" dirty="0"/>
+              <a:t> </a:t>
+            </a:r>
+            <a:r>
+              <a:rPr lang="fr-FR" dirty="0" err="1" smtClean="0">
+                <a:solidFill>
+                  <a:srgbClr val="333333"/>
+                </a:solidFill>
+              </a:rPr>
+              <a:t>behaviourFactory</a:t>
+            </a:r>
+            <a:r>
+              <a:rPr lang="fr-FR" b="1" dirty="0" err="1" smtClean="0"/>
+              <a:t>.</a:t>
+            </a:r>
+            <a:r>
+              <a:rPr lang="fr-FR" dirty="0" err="1" smtClean="0">
+                <a:solidFill>
+                  <a:srgbClr val="008080"/>
+                </a:solidFill>
+              </a:rPr>
+              <a:t>get</a:t>
+            </a:r>
+            <a:r>
+              <a:rPr lang="fr-FR" b="1" dirty="0" smtClean="0"/>
+              <a:t>(</a:t>
+            </a:r>
+            <a:r>
+              <a:rPr lang="fr-FR" dirty="0" err="1" smtClean="0">
+                <a:solidFill>
+                  <a:srgbClr val="333333"/>
+                </a:solidFill>
+              </a:rPr>
+              <a:t>dependency</a:t>
+            </a:r>
+            <a:r>
+              <a:rPr lang="fr-FR" b="1" dirty="0"/>
+              <a:t>);</a:t>
+            </a:r>
+            <a:endParaRPr lang="fr-FR" dirty="0"/>
+          </a:p>
+          <a:p>
+            <a:pPr marL="0" indent="0">
+              <a:buNone/>
+            </a:pPr>
+            <a:endParaRPr lang="fr-FR" dirty="0"/>
+          </a:p>
+          <a:p>
+            <a:pPr marL="0" indent="0">
+              <a:buNone/>
+            </a:pPr>
+            <a:r>
+              <a:rPr lang="fr-FR" dirty="0"/>
+              <a:t>            </a:t>
+            </a:r>
+            <a:r>
+              <a:rPr lang="fr-FR" dirty="0" err="1">
+                <a:solidFill>
+                  <a:srgbClr val="333333"/>
+                </a:solidFill>
+              </a:rPr>
+              <a:t>context</a:t>
+            </a:r>
+            <a:r>
+              <a:rPr lang="fr-FR" b="1" dirty="0" err="1"/>
+              <a:t>.</a:t>
+            </a:r>
+            <a:r>
+              <a:rPr lang="fr-FR" dirty="0" err="1">
+                <a:solidFill>
+                  <a:srgbClr val="008080"/>
+                </a:solidFill>
+              </a:rPr>
+              <a:t>getUserAccount</a:t>
+            </a:r>
+            <a:r>
+              <a:rPr lang="fr-FR" b="1" dirty="0"/>
+              <a:t>().</a:t>
+            </a:r>
+            <a:r>
+              <a:rPr lang="fr-FR" dirty="0" err="1">
+                <a:solidFill>
+                  <a:srgbClr val="008080"/>
+                </a:solidFill>
+              </a:rPr>
+              <a:t>setAcceptEmail</a:t>
+            </a:r>
+            <a:r>
+              <a:rPr lang="fr-FR" b="1" dirty="0"/>
+              <a:t>(false);</a:t>
+            </a:r>
+            <a:endParaRPr lang="fr-FR" dirty="0"/>
+          </a:p>
+          <a:p>
+            <a:pPr marL="0" indent="0">
+              <a:buNone/>
+            </a:pPr>
+            <a:r>
+              <a:rPr lang="fr-FR" dirty="0"/>
+              <a:t>            </a:t>
+            </a:r>
+            <a:r>
+              <a:rPr lang="fr-FR" dirty="0" err="1">
+                <a:solidFill>
+                  <a:srgbClr val="333333"/>
+                </a:solidFill>
+              </a:rPr>
+              <a:t>assertFalse</a:t>
+            </a:r>
+            <a:r>
+              <a:rPr lang="fr-FR" b="1" dirty="0"/>
+              <a:t>(</a:t>
+            </a:r>
+            <a:r>
+              <a:rPr lang="fr-FR" dirty="0" err="1">
+                <a:solidFill>
+                  <a:srgbClr val="333333"/>
+                </a:solidFill>
+              </a:rPr>
+              <a:t>behaviour</a:t>
+            </a:r>
+            <a:r>
+              <a:rPr lang="fr-FR" b="1" dirty="0" err="1"/>
+              <a:t>.</a:t>
+            </a:r>
+            <a:r>
+              <a:rPr lang="fr-FR" dirty="0" err="1">
+                <a:solidFill>
+                  <a:srgbClr val="008080"/>
+                </a:solidFill>
+              </a:rPr>
+              <a:t>isVisible</a:t>
+            </a:r>
+            <a:r>
+              <a:rPr lang="fr-FR" b="1" dirty="0"/>
+              <a:t>(</a:t>
+            </a:r>
+            <a:r>
+              <a:rPr lang="fr-FR" dirty="0" err="1">
+                <a:solidFill>
+                  <a:srgbClr val="333333"/>
+                </a:solidFill>
+              </a:rPr>
+              <a:t>dependency</a:t>
+            </a:r>
+            <a:r>
+              <a:rPr lang="fr-FR" b="1" dirty="0"/>
+              <a:t>,</a:t>
+            </a:r>
+            <a:r>
+              <a:rPr lang="fr-FR" dirty="0"/>
+              <a:t> </a:t>
+            </a:r>
+            <a:r>
+              <a:rPr lang="fr-FR" dirty="0" err="1">
+                <a:solidFill>
+                  <a:srgbClr val="333333"/>
+                </a:solidFill>
+              </a:rPr>
+              <a:t>context</a:t>
+            </a:r>
+            <a:r>
+              <a:rPr lang="fr-FR" b="1" dirty="0"/>
+              <a:t>,</a:t>
+            </a:r>
+            <a:r>
+              <a:rPr lang="fr-FR" dirty="0"/>
+              <a:t> </a:t>
+            </a:r>
+            <a:r>
+              <a:rPr lang="fr-FR" b="1" dirty="0" err="1"/>
+              <a:t>null</a:t>
+            </a:r>
+            <a:r>
+              <a:rPr lang="fr-FR" b="1" dirty="0"/>
+              <a:t>));</a:t>
+            </a:r>
+            <a:endParaRPr lang="fr-FR" dirty="0"/>
+          </a:p>
+          <a:p>
+            <a:pPr marL="0" indent="0">
+              <a:buNone/>
+            </a:pPr>
+            <a:endParaRPr lang="fr-FR" dirty="0"/>
+          </a:p>
+          <a:p>
+            <a:pPr marL="0" indent="0">
+              <a:buNone/>
+            </a:pPr>
+            <a:r>
+              <a:rPr lang="fr-FR" dirty="0"/>
+              <a:t>            </a:t>
+            </a:r>
+            <a:r>
+              <a:rPr lang="fr-FR" dirty="0" err="1">
+                <a:solidFill>
+                  <a:srgbClr val="333333"/>
+                </a:solidFill>
+              </a:rPr>
+              <a:t>context</a:t>
+            </a:r>
+            <a:r>
+              <a:rPr lang="fr-FR" b="1" dirty="0" err="1"/>
+              <a:t>.</a:t>
+            </a:r>
+            <a:r>
+              <a:rPr lang="fr-FR" dirty="0" err="1">
+                <a:solidFill>
+                  <a:srgbClr val="008080"/>
+                </a:solidFill>
+              </a:rPr>
+              <a:t>getUserAccount</a:t>
+            </a:r>
+            <a:r>
+              <a:rPr lang="fr-FR" b="1" dirty="0"/>
+              <a:t>().</a:t>
+            </a:r>
+            <a:r>
+              <a:rPr lang="fr-FR" dirty="0" err="1">
+                <a:solidFill>
+                  <a:srgbClr val="008080"/>
+                </a:solidFill>
+              </a:rPr>
+              <a:t>setAcceptEmail</a:t>
+            </a:r>
+            <a:r>
+              <a:rPr lang="fr-FR" b="1" dirty="0"/>
+              <a:t>(</a:t>
+            </a:r>
+            <a:r>
+              <a:rPr lang="fr-FR" b="1" dirty="0" err="1"/>
+              <a:t>true</a:t>
+            </a:r>
+            <a:r>
+              <a:rPr lang="fr-FR" b="1" dirty="0"/>
+              <a:t>);</a:t>
+            </a:r>
+            <a:endParaRPr lang="fr-FR" dirty="0"/>
+          </a:p>
+          <a:p>
+            <a:pPr marL="0" indent="0">
+              <a:buNone/>
+            </a:pPr>
+            <a:r>
+              <a:rPr lang="fr-FR" dirty="0"/>
+              <a:t>            </a:t>
+            </a:r>
+            <a:r>
+              <a:rPr lang="fr-FR" dirty="0" err="1">
+                <a:solidFill>
+                  <a:srgbClr val="333333"/>
+                </a:solidFill>
+              </a:rPr>
+              <a:t>assertTrue</a:t>
+            </a:r>
+            <a:r>
+              <a:rPr lang="fr-FR" b="1" dirty="0"/>
+              <a:t>(</a:t>
+            </a:r>
+            <a:r>
+              <a:rPr lang="fr-FR" dirty="0" err="1">
+                <a:solidFill>
+                  <a:srgbClr val="333333"/>
+                </a:solidFill>
+              </a:rPr>
+              <a:t>behaviour</a:t>
+            </a:r>
+            <a:r>
+              <a:rPr lang="fr-FR" b="1" dirty="0" err="1"/>
+              <a:t>.</a:t>
+            </a:r>
+            <a:r>
+              <a:rPr lang="fr-FR" dirty="0" err="1">
+                <a:solidFill>
+                  <a:srgbClr val="008080"/>
+                </a:solidFill>
+              </a:rPr>
+              <a:t>isVisible</a:t>
+            </a:r>
+            <a:r>
+              <a:rPr lang="fr-FR" b="1" dirty="0"/>
+              <a:t>(</a:t>
+            </a:r>
+            <a:r>
+              <a:rPr lang="fr-FR" dirty="0" err="1">
+                <a:solidFill>
+                  <a:srgbClr val="333333"/>
+                </a:solidFill>
+              </a:rPr>
+              <a:t>dependency</a:t>
+            </a:r>
+            <a:r>
+              <a:rPr lang="fr-FR" b="1" dirty="0"/>
+              <a:t>,</a:t>
+            </a:r>
+            <a:r>
+              <a:rPr lang="fr-FR" dirty="0"/>
+              <a:t> </a:t>
+            </a:r>
+            <a:r>
+              <a:rPr lang="fr-FR" dirty="0" err="1">
+                <a:solidFill>
+                  <a:srgbClr val="333333"/>
+                </a:solidFill>
+              </a:rPr>
+              <a:t>context</a:t>
+            </a:r>
+            <a:r>
+              <a:rPr lang="fr-FR" b="1" dirty="0"/>
+              <a:t>,</a:t>
+            </a:r>
+            <a:r>
+              <a:rPr lang="fr-FR" dirty="0"/>
+              <a:t> </a:t>
+            </a:r>
+            <a:r>
+              <a:rPr lang="fr-FR" b="1" dirty="0" err="1"/>
+              <a:t>null</a:t>
+            </a:r>
+            <a:r>
+              <a:rPr lang="fr-FR" b="1" dirty="0"/>
+              <a:t>));</a:t>
+            </a:r>
+            <a:endParaRPr lang="fr-FR" dirty="0"/>
+          </a:p>
+          <a:p>
+            <a:pPr marL="0" indent="0">
+              <a:buNone/>
+            </a:pPr>
+            <a:r>
+              <a:rPr lang="fr-FR" dirty="0"/>
+              <a:t>        </a:t>
+            </a:r>
+            <a:r>
+              <a:rPr lang="fr-FR" b="1" dirty="0"/>
+              <a:t>}</a:t>
+            </a:r>
+            <a:endParaRPr lang="fr-FR" dirty="0"/>
+          </a:p>
+          <a:p>
+            <a:pPr marL="0" indent="0">
+              <a:buNone/>
+            </a:pPr>
+            <a:r>
+              <a:rPr lang="fr-FR" dirty="0"/>
+              <a:t>    </a:t>
+            </a:r>
+            <a:r>
+              <a:rPr lang="fr-FR" b="1" dirty="0"/>
+              <a:t>}</a:t>
+            </a:r>
+            <a:endParaRPr lang="fr-FR" dirty="0"/>
+          </a:p>
+          <a:p>
+            <a:pPr marL="0" indent="0">
+              <a:buNone/>
+            </a:pPr>
+            <a:endParaRPr lang="fr-FR" dirty="0"/>
           </a:p>
         </p:txBody>
       </p:sp>
@@ -15668,6 +16705,25 @@
             </a:r>
           </a:p>
           <a:p>
+            <a:pPr lvl="1"/>
+            <a:r>
+              <a:rPr lang="en-US" dirty="0"/>
+              <a:t>sends commands to a </a:t>
+            </a:r>
+            <a:r>
+              <a:rPr lang="en-US" dirty="0" smtClean="0"/>
+              <a:t>browser</a:t>
+            </a:r>
+          </a:p>
+          <a:p>
+            <a:pPr lvl="1"/>
+            <a:r>
+              <a:rPr lang="en-US" dirty="0"/>
+              <a:t>retrieves results</a:t>
+            </a:r>
+          </a:p>
+          <a:p>
+            <a:pPr lvl="1"/>
             <a:endParaRPr lang="en-US" dirty="0"/>
           </a:p>
           <a:p>
@@ -15790,12 +16846,12 @@
           <a:p>
             <a:pPr lvl="1"/>
             <a:r>
-              <a:rPr lang="en-US" dirty="0"/>
-              <a:t>each page object </a:t>
+              <a:rPr lang="en-US" b="1" dirty="0" smtClean="0"/>
+              <a:t>representing </a:t>
             </a:r>
             <a:r>
               <a:rPr lang="en-US" b="1" dirty="0"/>
-              <a:t>represents a screen or a block </a:t>
+              <a:t>a screen or a block </a:t>
             </a:r>
             <a:r>
               <a:rPr lang="en-US" dirty="0"/>
@@ -15908,16 +16964,8 @@
           <a:lstStyle/>
           <a:p>
             <a:r>
-              <a:rPr lang="fr-FR" dirty="0" err="1" smtClean="0"/>
-              <a:t>Integration</a:t>
-            </a:r>
-            <a:r>
-              <a:rPr lang="fr-FR" dirty="0" smtClean="0"/>
-              <a:t> Test - </a:t>
-            </a:r>
-            <a:r>
-              <a:rPr lang="fr-FR" dirty="0" err="1" smtClean="0"/>
-              <a:t>Example</a:t>
+              <a:rPr lang="en-US" dirty="0"/>
+              <a:t>Selenium and integration testing</a:t>
             </a:r>
             <a:endParaRPr lang="fr-FR" dirty="0"/>
           </a:p>
@@ -15945,43 +16993,641 @@
         </p:blipFill>
         <p:spPr>
           <a:xfrm>
-            <a:off x="685800" y="4648200"/>
-            <a:ext cx="7696200" cy="1676400"/>
+            <a:off x="685800" y="5334000"/>
+            <a:ext cx="7696200" cy="1447800"/>
           </a:xfrm>
           <a:prstGeom prst="rect">
             <a:avLst/>
           </a:prstGeom>
         </p:spPr>
       </p:pic>
-      <p:pic>
-        <p:nvPicPr>
-          <p:cNvPr id="60" name="Espace réservé du contenu 59"/>
-          <p:cNvPicPr>
-            <a:picLocks noGrp="1" noChangeAspect="1"/>
-          </p:cNvPicPr>
+      <p:sp>
+        <p:nvSpPr>
+          <p:cNvPr id="3" name="Espace réservé du contenu 2"/>
+          <p:cNvSpPr>
+            <a:spLocks noGrp="1"/>
+          </p:cNvSpPr>
           <p:nvPr>
             <p:ph idx="1"/>
           </p:nvPr>
-        </p:nvPicPr>
-        <p:blipFill>
-          <a:blip r:embed="rId3">
-            <a:extLst>
-              <a:ext uri="{28A0092B-C50C-407E-A947-70E740481C1C}">
-                <a14:useLocalDpi xmlns:a14="http://schemas.microsoft.com/office/drawing/2010/main" val="0"/>
-              </a:ext>
-            </a:extLst>
-          </a:blip>
-          <a:stretch>
-            <a:fillRect/>
-          </a:stretch>
-        </p:blipFill>
+        </p:nvSpPr>
         <p:spPr>
           <a:xfrm>
-            <a:off x="457200" y="1524000"/>
-            <a:ext cx="8229600" cy="2976317"/>
+            <a:off x="76200" y="1143000"/>
+            <a:ext cx="8991600" cy="4525963"/>
           </a:xfrm>
         </p:spPr>
-      </p:pic>
+        <p:txBody>
+          <a:bodyPr>
+            <a:normAutofit fontScale="55000" lnSpcReduction="20000"/>
+          </a:bodyPr>
+          <a:lstStyle/>
+          <a:p>
+            <a:pPr marL="0" indent="0">
+              <a:buNone/>
+            </a:pPr>
+            <a:r>
+              <a:rPr lang="fr-FR" dirty="0"/>
+              <a:t> </a:t>
+            </a:r>
+            <a:r>
+              <a:rPr lang="fr-FR" dirty="0" smtClean="0"/>
+              <a:t>   @</a:t>
+            </a:r>
+            <a:r>
+              <a:rPr lang="fr-FR" dirty="0"/>
+              <a:t>Test</a:t>
+            </a:r>
+          </a:p>
+          <a:p>
+            <a:pPr marL="0" indent="0">
+              <a:buNone/>
+            </a:pPr>
+            <a:r>
+              <a:rPr lang="fr-FR" dirty="0"/>
+              <a:t>    </a:t>
+            </a:r>
+            <a:r>
+              <a:rPr lang="fr-FR" b="1" dirty="0"/>
+              <a:t>public</a:t>
+            </a:r>
+            <a:r>
+              <a:rPr lang="fr-FR" dirty="0"/>
+              <a:t> </a:t>
+            </a:r>
+            <a:r>
+              <a:rPr lang="fr-FR" b="1" dirty="0" err="1">
+                <a:solidFill>
+                  <a:srgbClr val="445588"/>
+                </a:solidFill>
+              </a:rPr>
+              <a:t>void</a:t>
+            </a:r>
+            <a:r>
+              <a:rPr lang="fr-FR" dirty="0"/>
+              <a:t> </a:t>
+            </a:r>
+            <a:r>
+              <a:rPr lang="fr-FR" b="1" dirty="0" err="1">
+                <a:solidFill>
+                  <a:srgbClr val="990000"/>
+                </a:solidFill>
+              </a:rPr>
+              <a:t>testRegistration</a:t>
+            </a:r>
+            <a:r>
+              <a:rPr lang="fr-FR" b="1" dirty="0"/>
+              <a:t>()</a:t>
+            </a:r>
+            <a:r>
+              <a:rPr lang="fr-FR" dirty="0"/>
+              <a:t> </a:t>
+            </a:r>
+            <a:r>
+              <a:rPr lang="fr-FR" b="1" dirty="0"/>
+              <a:t>{</a:t>
+            </a:r>
+            <a:endParaRPr lang="fr-FR" dirty="0"/>
+          </a:p>
+          <a:p>
+            <a:pPr marL="0" indent="0">
+              <a:buNone/>
+            </a:pPr>
+            <a:r>
+              <a:rPr lang="fr-FR" dirty="0"/>
+              <a:t>        </a:t>
+            </a:r>
+            <a:r>
+              <a:rPr lang="fr-FR" dirty="0" err="1">
+                <a:solidFill>
+                  <a:srgbClr val="333333"/>
+                </a:solidFill>
+              </a:rPr>
+              <a:t>RegistrationByMailScreen</a:t>
+            </a:r>
+            <a:r>
+              <a:rPr lang="fr-FR" dirty="0"/>
+              <a:t> </a:t>
+            </a:r>
+            <a:r>
+              <a:rPr lang="fr-FR" dirty="0" err="1">
+                <a:solidFill>
+                  <a:srgbClr val="333333"/>
+                </a:solidFill>
+              </a:rPr>
+              <a:t>registrationScreen</a:t>
+            </a:r>
+            <a:r>
+              <a:rPr lang="fr-FR" dirty="0"/>
+              <a:t> </a:t>
+            </a:r>
+            <a:r>
+              <a:rPr lang="fr-FR" b="1" dirty="0"/>
+              <a:t>=</a:t>
+            </a:r>
+            <a:r>
+              <a:rPr lang="fr-FR" dirty="0"/>
+              <a:t> </a:t>
+            </a:r>
+            <a:r>
+              <a:rPr lang="fr-FR" b="1" dirty="0"/>
+              <a:t>new</a:t>
+            </a:r>
+            <a:r>
+              <a:rPr lang="fr-FR" dirty="0"/>
+              <a:t> </a:t>
+            </a:r>
+            <a:r>
+              <a:rPr lang="fr-FR" dirty="0" err="1">
+                <a:solidFill>
+                  <a:srgbClr val="333333"/>
+                </a:solidFill>
+              </a:rPr>
+              <a:t>RegistrationByMailScreen</a:t>
+            </a:r>
+            <a:r>
+              <a:rPr lang="fr-FR" b="1" dirty="0"/>
+              <a:t>(</a:t>
+            </a:r>
+            <a:r>
+              <a:rPr lang="fr-FR" dirty="0" err="1">
+                <a:solidFill>
+                  <a:srgbClr val="333333"/>
+                </a:solidFill>
+              </a:rPr>
+              <a:t>getDriver</a:t>
+            </a:r>
+            <a:r>
+              <a:rPr lang="fr-FR" b="1" dirty="0" smtClean="0"/>
+              <a:t>());</a:t>
+            </a:r>
+            <a:endParaRPr lang="fr-FR" dirty="0" smtClean="0"/>
+          </a:p>
+          <a:p>
+            <a:pPr marL="0" indent="0">
+              <a:buNone/>
+            </a:pPr>
+            <a:r>
+              <a:rPr lang="fr-FR" dirty="0"/>
+              <a:t>        </a:t>
+            </a:r>
+            <a:r>
+              <a:rPr lang="fr-FR" dirty="0" err="1">
+                <a:solidFill>
+                  <a:srgbClr val="333333"/>
+                </a:solidFill>
+              </a:rPr>
+              <a:t>registrationScreen</a:t>
+            </a:r>
+            <a:r>
+              <a:rPr lang="fr-FR" b="1" dirty="0" err="1"/>
+              <a:t>.</a:t>
+            </a:r>
+            <a:r>
+              <a:rPr lang="fr-FR" dirty="0" err="1">
+                <a:solidFill>
+                  <a:srgbClr val="008080"/>
+                </a:solidFill>
+              </a:rPr>
+              <a:t>assertDisplayed</a:t>
+            </a:r>
+            <a:r>
+              <a:rPr lang="fr-FR" b="1" dirty="0" smtClean="0"/>
+              <a:t>();</a:t>
+            </a:r>
+            <a:r>
+              <a:rPr lang="fr-FR" dirty="0"/>
+              <a:t/>
+            </a:r>
+            <a:br>
+              <a:rPr lang="fr-FR" dirty="0"/>
+            </a:br>
+            <a:endParaRPr lang="fr-FR" dirty="0"/>
+          </a:p>
+          <a:p>
+            <a:pPr marL="0" indent="0">
+              <a:buNone/>
+            </a:pPr>
+            <a:r>
+              <a:rPr lang="fr-FR" dirty="0"/>
+              <a:t>        </a:t>
+            </a:r>
+            <a:r>
+              <a:rPr lang="fr-FR" dirty="0" err="1">
+                <a:solidFill>
+                  <a:srgbClr val="333333"/>
+                </a:solidFill>
+              </a:rPr>
+              <a:t>registrationScreen</a:t>
+            </a:r>
+            <a:r>
+              <a:rPr lang="fr-FR" b="1" dirty="0" err="1"/>
+              <a:t>.</a:t>
+            </a:r>
+            <a:r>
+              <a:rPr lang="fr-FR" dirty="0" err="1">
+                <a:solidFill>
+                  <a:srgbClr val="008080"/>
+                </a:solidFill>
+              </a:rPr>
+              <a:t>getPersonalInformations</a:t>
+            </a:r>
+            <a:r>
+              <a:rPr lang="fr-FR" b="1" dirty="0"/>
+              <a:t>()</a:t>
+            </a:r>
+            <a:r>
+              <a:rPr lang="fr-FR" i="1" dirty="0">
+                <a:solidFill>
+                  <a:srgbClr val="999988"/>
+                </a:solidFill>
+              </a:rPr>
+              <a:t>//</a:t>
+            </a:r>
+            <a:endParaRPr lang="fr-FR" dirty="0"/>
+          </a:p>
+          <a:p>
+            <a:pPr marL="0" indent="0">
+              <a:buNone/>
+            </a:pPr>
+            <a:r>
+              <a:rPr lang="fr-FR" dirty="0"/>
+              <a:t>                        </a:t>
+            </a:r>
+            <a:r>
+              <a:rPr lang="fr-FR" b="1" dirty="0"/>
+              <a:t>.</a:t>
+            </a:r>
+            <a:r>
+              <a:rPr lang="fr-FR" dirty="0" err="1">
+                <a:solidFill>
+                  <a:srgbClr val="008080"/>
+                </a:solidFill>
+              </a:rPr>
+              <a:t>assertDisplayed</a:t>
+            </a:r>
+            <a:r>
+              <a:rPr lang="fr-FR" b="1" dirty="0"/>
+              <a:t>()</a:t>
+            </a:r>
+            <a:r>
+              <a:rPr lang="fr-FR" i="1" dirty="0">
+                <a:solidFill>
+                  <a:srgbClr val="999988"/>
+                </a:solidFill>
+              </a:rPr>
+              <a:t>//</a:t>
+            </a:r>
+            <a:endParaRPr lang="fr-FR" dirty="0"/>
+          </a:p>
+          <a:p>
+            <a:pPr marL="0" indent="0">
+              <a:buNone/>
+            </a:pPr>
+            <a:r>
+              <a:rPr lang="fr-FR" dirty="0"/>
+              <a:t>                        </a:t>
+            </a:r>
+            <a:r>
+              <a:rPr lang="fr-FR" b="1" dirty="0"/>
+              <a:t>.</a:t>
+            </a:r>
+            <a:r>
+              <a:rPr lang="fr-FR" dirty="0" err="1">
+                <a:solidFill>
+                  <a:srgbClr val="008080"/>
+                </a:solidFill>
+              </a:rPr>
+              <a:t>setFirstName</a:t>
+            </a:r>
+            <a:r>
+              <a:rPr lang="fr-FR" b="1" dirty="0"/>
+              <a:t>(</a:t>
+            </a:r>
+            <a:r>
+              <a:rPr lang="fr-FR" dirty="0">
+                <a:solidFill>
+                  <a:srgbClr val="DD1144"/>
+                </a:solidFill>
+              </a:rPr>
+              <a:t>"John"</a:t>
+            </a:r>
+            <a:r>
+              <a:rPr lang="fr-FR" b="1" dirty="0"/>
+              <a:t>)</a:t>
+            </a:r>
+            <a:r>
+              <a:rPr lang="fr-FR" i="1" dirty="0">
+                <a:solidFill>
+                  <a:srgbClr val="999988"/>
+                </a:solidFill>
+              </a:rPr>
+              <a:t>//</a:t>
+            </a:r>
+            <a:endParaRPr lang="fr-FR" dirty="0"/>
+          </a:p>
+          <a:p>
+            <a:pPr marL="0" indent="0">
+              <a:buNone/>
+            </a:pPr>
+            <a:r>
+              <a:rPr lang="fr-FR" dirty="0"/>
+              <a:t>                        </a:t>
+            </a:r>
+            <a:r>
+              <a:rPr lang="fr-FR" b="1" dirty="0"/>
+              <a:t>.</a:t>
+            </a:r>
+            <a:r>
+              <a:rPr lang="fr-FR" dirty="0" err="1">
+                <a:solidFill>
+                  <a:srgbClr val="008080"/>
+                </a:solidFill>
+              </a:rPr>
+              <a:t>setLastName</a:t>
+            </a:r>
+            <a:r>
+              <a:rPr lang="fr-FR" b="1" dirty="0"/>
+              <a:t>(</a:t>
+            </a:r>
+            <a:r>
+              <a:rPr lang="fr-FR" dirty="0">
+                <a:solidFill>
+                  <a:srgbClr val="DD1144"/>
+                </a:solidFill>
+              </a:rPr>
+              <a:t>"</a:t>
+            </a:r>
+            <a:r>
+              <a:rPr lang="fr-FR" dirty="0" err="1">
+                <a:solidFill>
+                  <a:srgbClr val="DD1144"/>
+                </a:solidFill>
+              </a:rPr>
+              <a:t>Doe</a:t>
+            </a:r>
+            <a:r>
+              <a:rPr lang="fr-FR" dirty="0">
+                <a:solidFill>
+                  <a:srgbClr val="DD1144"/>
+                </a:solidFill>
+              </a:rPr>
+              <a:t>"</a:t>
+            </a:r>
+            <a:r>
+              <a:rPr lang="fr-FR" b="1" dirty="0"/>
+              <a:t>)</a:t>
+            </a:r>
+            <a:r>
+              <a:rPr lang="fr-FR" i="1" dirty="0">
+                <a:solidFill>
+                  <a:srgbClr val="999988"/>
+                </a:solidFill>
+              </a:rPr>
+              <a:t>//</a:t>
+            </a:r>
+            <a:endParaRPr lang="fr-FR" dirty="0"/>
+          </a:p>
+          <a:p>
+            <a:pPr marL="0" indent="0">
+              <a:buNone/>
+            </a:pPr>
+            <a:r>
+              <a:rPr lang="fr-FR" dirty="0"/>
+              <a:t>                        </a:t>
+            </a:r>
+            <a:r>
+              <a:rPr lang="fr-FR" b="1" dirty="0"/>
+              <a:t>.</a:t>
+            </a:r>
+            <a:r>
+              <a:rPr lang="fr-FR" dirty="0" err="1">
+                <a:solidFill>
+                  <a:srgbClr val="008080"/>
+                </a:solidFill>
+              </a:rPr>
+              <a:t>setBirthdate</a:t>
+            </a:r>
+            <a:r>
+              <a:rPr lang="fr-FR" b="1" dirty="0"/>
+              <a:t>(new</a:t>
+            </a:r>
+            <a:r>
+              <a:rPr lang="fr-FR" dirty="0"/>
+              <a:t> </a:t>
+            </a:r>
+            <a:r>
+              <a:rPr lang="fr-FR" dirty="0" err="1">
+                <a:solidFill>
+                  <a:srgbClr val="333333"/>
+                </a:solidFill>
+              </a:rPr>
+              <a:t>DateMidnight</a:t>
+            </a:r>
+            <a:r>
+              <a:rPr lang="fr-FR" b="1" dirty="0"/>
+              <a:t>(</a:t>
+            </a:r>
+            <a:r>
+              <a:rPr lang="fr-FR" dirty="0">
+                <a:solidFill>
+                  <a:srgbClr val="009999"/>
+                </a:solidFill>
+              </a:rPr>
+              <a:t>1980</a:t>
+            </a:r>
+            <a:r>
+              <a:rPr lang="fr-FR" b="1" dirty="0"/>
+              <a:t>,</a:t>
+            </a:r>
+            <a:r>
+              <a:rPr lang="fr-FR" dirty="0"/>
+              <a:t> </a:t>
+            </a:r>
+            <a:r>
+              <a:rPr lang="fr-FR" dirty="0">
+                <a:solidFill>
+                  <a:srgbClr val="009999"/>
+                </a:solidFill>
+              </a:rPr>
+              <a:t>1</a:t>
+            </a:r>
+            <a:r>
+              <a:rPr lang="fr-FR" b="1" dirty="0"/>
+              <a:t>,</a:t>
+            </a:r>
+            <a:r>
+              <a:rPr lang="fr-FR" dirty="0"/>
+              <a:t> </a:t>
+            </a:r>
+            <a:r>
+              <a:rPr lang="fr-FR" dirty="0">
+                <a:solidFill>
+                  <a:srgbClr val="009999"/>
+                </a:solidFill>
+              </a:rPr>
+              <a:t>1</a:t>
+            </a:r>
+            <a:r>
+              <a:rPr lang="fr-FR" b="1" dirty="0"/>
+              <a:t>))</a:t>
+            </a:r>
+            <a:r>
+              <a:rPr lang="fr-FR" i="1" dirty="0">
+                <a:solidFill>
+                  <a:srgbClr val="999988"/>
+                </a:solidFill>
+              </a:rPr>
+              <a:t>//</a:t>
+            </a:r>
+            <a:endParaRPr lang="fr-FR" dirty="0"/>
+          </a:p>
+          <a:p>
+            <a:pPr marL="0" indent="0">
+              <a:buNone/>
+            </a:pPr>
+            <a:r>
+              <a:rPr lang="fr-FR" dirty="0"/>
+              <a:t>                        </a:t>
+            </a:r>
+            <a:r>
+              <a:rPr lang="fr-FR" b="1" dirty="0"/>
+              <a:t>.</a:t>
+            </a:r>
+            <a:r>
+              <a:rPr lang="fr-FR" dirty="0" err="1">
+                <a:solidFill>
+                  <a:srgbClr val="008080"/>
+                </a:solidFill>
+              </a:rPr>
+              <a:t>setEmail</a:t>
+            </a:r>
+            <a:r>
+              <a:rPr lang="fr-FR" b="1" dirty="0"/>
+              <a:t>(</a:t>
+            </a:r>
+            <a:r>
+              <a:rPr lang="fr-FR" dirty="0">
+                <a:solidFill>
+                  <a:srgbClr val="DD1144"/>
+                </a:solidFill>
+              </a:rPr>
+              <a:t>"john@doe.com"</a:t>
+            </a:r>
+            <a:r>
+              <a:rPr lang="fr-FR" b="1" dirty="0"/>
+              <a:t>)</a:t>
+            </a:r>
+            <a:r>
+              <a:rPr lang="fr-FR" i="1" dirty="0">
+                <a:solidFill>
+                  <a:srgbClr val="999988"/>
+                </a:solidFill>
+              </a:rPr>
+              <a:t>//</a:t>
+            </a:r>
+            <a:endParaRPr lang="fr-FR" dirty="0"/>
+          </a:p>
+          <a:p>
+            <a:pPr marL="0" indent="0">
+              <a:buNone/>
+            </a:pPr>
+            <a:r>
+              <a:rPr lang="fr-FR" dirty="0"/>
+              <a:t>                        </a:t>
+            </a:r>
+            <a:r>
+              <a:rPr lang="fr-FR" b="1" dirty="0"/>
+              <a:t>.</a:t>
+            </a:r>
+            <a:r>
+              <a:rPr lang="fr-FR" dirty="0" err="1">
+                <a:solidFill>
+                  <a:srgbClr val="008080"/>
+                </a:solidFill>
+              </a:rPr>
+              <a:t>submit</a:t>
+            </a:r>
+            <a:r>
+              <a:rPr lang="fr-FR" b="1" dirty="0"/>
+              <a:t>();</a:t>
+            </a:r>
+            <a:endParaRPr lang="fr-FR" dirty="0"/>
+          </a:p>
+          <a:p>
+            <a:pPr marL="0" indent="0">
+              <a:buNone/>
+            </a:pPr>
+            <a:endParaRPr lang="fr-FR" dirty="0"/>
+          </a:p>
+          <a:p>
+            <a:pPr marL="0" indent="0">
+              <a:buNone/>
+            </a:pPr>
+            <a:r>
+              <a:rPr lang="fr-FR" dirty="0"/>
+              <a:t>        </a:t>
+            </a:r>
+            <a:r>
+              <a:rPr lang="fr-FR" dirty="0" err="1">
+                <a:solidFill>
+                  <a:srgbClr val="333333"/>
+                </a:solidFill>
+              </a:rPr>
+              <a:t>registrationScreen</a:t>
+            </a:r>
+            <a:r>
+              <a:rPr lang="fr-FR" b="1" dirty="0" err="1"/>
+              <a:t>.</a:t>
+            </a:r>
+            <a:r>
+              <a:rPr lang="fr-FR" dirty="0" err="1">
+                <a:solidFill>
+                  <a:srgbClr val="008080"/>
+                </a:solidFill>
+              </a:rPr>
+              <a:t>getMailSettings</a:t>
+            </a:r>
+            <a:r>
+              <a:rPr lang="fr-FR" b="1" dirty="0" smtClean="0"/>
+              <a:t>().</a:t>
+            </a:r>
+            <a:r>
+              <a:rPr lang="fr-FR" dirty="0" err="1" smtClean="0">
+                <a:solidFill>
+                  <a:srgbClr val="008080"/>
+                </a:solidFill>
+              </a:rPr>
+              <a:t>assertDisplayed</a:t>
+            </a:r>
+            <a:r>
+              <a:rPr lang="fr-FR" b="1" dirty="0" smtClean="0"/>
+              <a:t>;</a:t>
+            </a:r>
+            <a:endParaRPr lang="fr-FR" dirty="0"/>
+          </a:p>
+          <a:p>
+            <a:pPr marL="0" indent="0">
+              <a:buNone/>
+            </a:pPr>
+            <a:r>
+              <a:rPr lang="fr-FR" dirty="0"/>
+              <a:t>    </a:t>
+            </a:r>
+            <a:r>
+              <a:rPr lang="fr-FR" b="1" dirty="0"/>
+              <a:t>}</a:t>
+            </a:r>
+            <a:endParaRPr lang="fr-FR" dirty="0"/>
+          </a:p>
+          <a:p>
+            <a:pPr marL="0" indent="0">
+              <a:buNone/>
+            </a:pPr>
+            <a:endParaRPr lang="fr-FR" dirty="0"/>
+          </a:p>
+        </p:txBody>
+      </p:sp>
     </p:spTree>
     <p:extLst>
       <p:ext uri="{BB962C8B-B14F-4D97-AF65-F5344CB8AC3E}">
